--- a/etc/contract_map.pptx
+++ b/etc/contract_map.pptx
@@ -156,7 +156,7 @@
           </a:lstStyle>
           <a:p>
             <a:r>
-              <a:rPr lang="ja-JP" altLang="en-US" smtClean="0"/>
+              <a:rPr lang="ja-JP" altLang="en-US"/>
               <a:t>マスター タイトルの書式設定</a:t>
             </a:r>
             <a:endParaRPr lang="en-US" dirty="0"/>
@@ -221,7 +221,7 @@
           </a:lstStyle>
           <a:p>
             <a:r>
-              <a:rPr lang="ja-JP" altLang="en-US" smtClean="0"/>
+              <a:rPr lang="ja-JP" altLang="en-US"/>
               <a:t>マスター サブタイトルの書式設定</a:t>
             </a:r>
             <a:endParaRPr lang="en-US" dirty="0"/>
@@ -245,7 +245,7 @@
           <a:p>
             <a:fld id="{A8E0094F-F4DA-4A3B-B8F6-999563D6DF4F}" type="datetimeFigureOut">
               <a:rPr kumimoji="1" lang="ja-JP" altLang="en-US" smtClean="0"/>
-              <a:t>2022/6/3</a:t>
+              <a:t>2022/6/5</a:t>
             </a:fld>
             <a:endParaRPr kumimoji="1" lang="ja-JP" altLang="en-US"/>
           </a:p>
@@ -339,7 +339,7 @@
           <a:lstStyle/>
           <a:p>
             <a:r>
-              <a:rPr lang="ja-JP" altLang="en-US" smtClean="0"/>
+              <a:rPr lang="ja-JP" altLang="en-US"/>
               <a:t>マスター タイトルの書式設定</a:t>
             </a:r>
             <a:endParaRPr lang="en-US" dirty="0"/>
@@ -363,67 +363,67 @@
           <a:p>
             <a:pPr lvl="0"/>
             <a:r>
-              <a:rPr lang="ja-JP" altLang="en-US" smtClean="0"/>
+              <a:rPr lang="ja-JP" altLang="en-US"/>
               <a:t>マスター テキストの書式設定</a:t>
             </a:r>
           </a:p>
           <a:p>
             <a:pPr lvl="1"/>
             <a:r>
-              <a:rPr lang="ja-JP" altLang="en-US" smtClean="0"/>
+              <a:rPr lang="ja-JP" altLang="en-US"/>
               <a:t>第 </a:t>
             </a:r>
             <a:r>
-              <a:rPr lang="en-US" altLang="ja-JP" smtClean="0"/>
+              <a:rPr lang="en-US" altLang="ja-JP"/>
               <a:t>2 </a:t>
             </a:r>
             <a:r>
-              <a:rPr lang="ja-JP" altLang="en-US" smtClean="0"/>
+              <a:rPr lang="ja-JP" altLang="en-US"/>
               <a:t>レベル</a:t>
             </a:r>
           </a:p>
           <a:p>
             <a:pPr lvl="2"/>
             <a:r>
-              <a:rPr lang="ja-JP" altLang="en-US" smtClean="0"/>
+              <a:rPr lang="ja-JP" altLang="en-US"/>
               <a:t>第 </a:t>
             </a:r>
             <a:r>
-              <a:rPr lang="en-US" altLang="ja-JP" smtClean="0"/>
+              <a:rPr lang="en-US" altLang="ja-JP"/>
               <a:t>3 </a:t>
             </a:r>
             <a:r>
-              <a:rPr lang="ja-JP" altLang="en-US" smtClean="0"/>
+              <a:rPr lang="ja-JP" altLang="en-US"/>
               <a:t>レベル</a:t>
             </a:r>
           </a:p>
           <a:p>
             <a:pPr lvl="3"/>
             <a:r>
-              <a:rPr lang="ja-JP" altLang="en-US" smtClean="0"/>
+              <a:rPr lang="ja-JP" altLang="en-US"/>
               <a:t>第 </a:t>
             </a:r>
             <a:r>
-              <a:rPr lang="en-US" altLang="ja-JP" smtClean="0"/>
+              <a:rPr lang="en-US" altLang="ja-JP"/>
               <a:t>4 </a:t>
             </a:r>
             <a:r>
-              <a:rPr lang="ja-JP" altLang="en-US" smtClean="0"/>
+              <a:rPr lang="ja-JP" altLang="en-US"/>
               <a:t>レベル</a:t>
             </a:r>
           </a:p>
           <a:p>
             <a:pPr lvl="4"/>
             <a:r>
-              <a:rPr lang="ja-JP" altLang="en-US" smtClean="0"/>
+              <a:rPr lang="ja-JP" altLang="en-US"/>
               <a:t>第 </a:t>
             </a:r>
             <a:r>
-              <a:rPr lang="en-US" altLang="ja-JP" smtClean="0"/>
+              <a:rPr lang="en-US" altLang="ja-JP"/>
               <a:t>5 </a:t>
             </a:r>
             <a:r>
-              <a:rPr lang="ja-JP" altLang="en-US" smtClean="0"/>
+              <a:rPr lang="ja-JP" altLang="en-US"/>
               <a:t>レベル</a:t>
             </a:r>
             <a:endParaRPr lang="en-US" dirty="0"/>
@@ -447,7 +447,7 @@
           <a:p>
             <a:fld id="{A8E0094F-F4DA-4A3B-B8F6-999563D6DF4F}" type="datetimeFigureOut">
               <a:rPr kumimoji="1" lang="ja-JP" altLang="en-US" smtClean="0"/>
-              <a:t>2022/6/3</a:t>
+              <a:t>2022/6/5</a:t>
             </a:fld>
             <a:endParaRPr kumimoji="1" lang="ja-JP" altLang="en-US"/>
           </a:p>
@@ -546,7 +546,7 @@
           <a:lstStyle/>
           <a:p>
             <a:r>
-              <a:rPr lang="ja-JP" altLang="en-US" smtClean="0"/>
+              <a:rPr lang="ja-JP" altLang="en-US"/>
               <a:t>マスター タイトルの書式設定</a:t>
             </a:r>
             <a:endParaRPr lang="en-US" dirty="0"/>
@@ -575,67 +575,67 @@
           <a:p>
             <a:pPr lvl="0"/>
             <a:r>
-              <a:rPr lang="ja-JP" altLang="en-US" smtClean="0"/>
+              <a:rPr lang="ja-JP" altLang="en-US"/>
               <a:t>マスター テキストの書式設定</a:t>
             </a:r>
           </a:p>
           <a:p>
             <a:pPr lvl="1"/>
             <a:r>
-              <a:rPr lang="ja-JP" altLang="en-US" smtClean="0"/>
+              <a:rPr lang="ja-JP" altLang="en-US"/>
               <a:t>第 </a:t>
             </a:r>
             <a:r>
-              <a:rPr lang="en-US" altLang="ja-JP" smtClean="0"/>
+              <a:rPr lang="en-US" altLang="ja-JP"/>
               <a:t>2 </a:t>
             </a:r>
             <a:r>
-              <a:rPr lang="ja-JP" altLang="en-US" smtClean="0"/>
+              <a:rPr lang="ja-JP" altLang="en-US"/>
               <a:t>レベル</a:t>
             </a:r>
           </a:p>
           <a:p>
             <a:pPr lvl="2"/>
             <a:r>
-              <a:rPr lang="ja-JP" altLang="en-US" smtClean="0"/>
+              <a:rPr lang="ja-JP" altLang="en-US"/>
               <a:t>第 </a:t>
             </a:r>
             <a:r>
-              <a:rPr lang="en-US" altLang="ja-JP" smtClean="0"/>
+              <a:rPr lang="en-US" altLang="ja-JP"/>
               <a:t>3 </a:t>
             </a:r>
             <a:r>
-              <a:rPr lang="ja-JP" altLang="en-US" smtClean="0"/>
+              <a:rPr lang="ja-JP" altLang="en-US"/>
               <a:t>レベル</a:t>
             </a:r>
           </a:p>
           <a:p>
             <a:pPr lvl="3"/>
             <a:r>
-              <a:rPr lang="ja-JP" altLang="en-US" smtClean="0"/>
+              <a:rPr lang="ja-JP" altLang="en-US"/>
               <a:t>第 </a:t>
             </a:r>
             <a:r>
-              <a:rPr lang="en-US" altLang="ja-JP" smtClean="0"/>
+              <a:rPr lang="en-US" altLang="ja-JP"/>
               <a:t>4 </a:t>
             </a:r>
             <a:r>
-              <a:rPr lang="ja-JP" altLang="en-US" smtClean="0"/>
+              <a:rPr lang="ja-JP" altLang="en-US"/>
               <a:t>レベル</a:t>
             </a:r>
           </a:p>
           <a:p>
             <a:pPr lvl="4"/>
             <a:r>
-              <a:rPr lang="ja-JP" altLang="en-US" smtClean="0"/>
+              <a:rPr lang="ja-JP" altLang="en-US"/>
               <a:t>第 </a:t>
             </a:r>
             <a:r>
-              <a:rPr lang="en-US" altLang="ja-JP" smtClean="0"/>
+              <a:rPr lang="en-US" altLang="ja-JP"/>
               <a:t>5 </a:t>
             </a:r>
             <a:r>
-              <a:rPr lang="ja-JP" altLang="en-US" smtClean="0"/>
+              <a:rPr lang="ja-JP" altLang="en-US"/>
               <a:t>レベル</a:t>
             </a:r>
             <a:endParaRPr lang="en-US" dirty="0"/>
@@ -659,7 +659,7 @@
           <a:p>
             <a:fld id="{A8E0094F-F4DA-4A3B-B8F6-999563D6DF4F}" type="datetimeFigureOut">
               <a:rPr kumimoji="1" lang="ja-JP" altLang="en-US" smtClean="0"/>
-              <a:t>2022/6/3</a:t>
+              <a:t>2022/6/5</a:t>
             </a:fld>
             <a:endParaRPr kumimoji="1" lang="ja-JP" altLang="en-US"/>
           </a:p>
@@ -753,7 +753,7 @@
           <a:lstStyle/>
           <a:p>
             <a:r>
-              <a:rPr lang="ja-JP" altLang="en-US" smtClean="0"/>
+              <a:rPr lang="ja-JP" altLang="en-US"/>
               <a:t>マスター タイトルの書式設定</a:t>
             </a:r>
             <a:endParaRPr lang="en-US" dirty="0"/>
@@ -777,67 +777,67 @@
           <a:p>
             <a:pPr lvl="0"/>
             <a:r>
-              <a:rPr lang="ja-JP" altLang="en-US" smtClean="0"/>
+              <a:rPr lang="ja-JP" altLang="en-US"/>
               <a:t>マスター テキストの書式設定</a:t>
             </a:r>
           </a:p>
           <a:p>
             <a:pPr lvl="1"/>
             <a:r>
-              <a:rPr lang="ja-JP" altLang="en-US" smtClean="0"/>
+              <a:rPr lang="ja-JP" altLang="en-US"/>
               <a:t>第 </a:t>
             </a:r>
             <a:r>
-              <a:rPr lang="en-US" altLang="ja-JP" smtClean="0"/>
+              <a:rPr lang="en-US" altLang="ja-JP"/>
               <a:t>2 </a:t>
             </a:r>
             <a:r>
-              <a:rPr lang="ja-JP" altLang="en-US" smtClean="0"/>
+              <a:rPr lang="ja-JP" altLang="en-US"/>
               <a:t>レベル</a:t>
             </a:r>
           </a:p>
           <a:p>
             <a:pPr lvl="2"/>
             <a:r>
-              <a:rPr lang="ja-JP" altLang="en-US" smtClean="0"/>
+              <a:rPr lang="ja-JP" altLang="en-US"/>
               <a:t>第 </a:t>
             </a:r>
             <a:r>
-              <a:rPr lang="en-US" altLang="ja-JP" smtClean="0"/>
+              <a:rPr lang="en-US" altLang="ja-JP"/>
               <a:t>3 </a:t>
             </a:r>
             <a:r>
-              <a:rPr lang="ja-JP" altLang="en-US" smtClean="0"/>
+              <a:rPr lang="ja-JP" altLang="en-US"/>
               <a:t>レベル</a:t>
             </a:r>
           </a:p>
           <a:p>
             <a:pPr lvl="3"/>
             <a:r>
-              <a:rPr lang="ja-JP" altLang="en-US" smtClean="0"/>
+              <a:rPr lang="ja-JP" altLang="en-US"/>
               <a:t>第 </a:t>
             </a:r>
             <a:r>
-              <a:rPr lang="en-US" altLang="ja-JP" smtClean="0"/>
+              <a:rPr lang="en-US" altLang="ja-JP"/>
               <a:t>4 </a:t>
             </a:r>
             <a:r>
-              <a:rPr lang="ja-JP" altLang="en-US" smtClean="0"/>
+              <a:rPr lang="ja-JP" altLang="en-US"/>
               <a:t>レベル</a:t>
             </a:r>
           </a:p>
           <a:p>
             <a:pPr lvl="4"/>
             <a:r>
-              <a:rPr lang="ja-JP" altLang="en-US" smtClean="0"/>
+              <a:rPr lang="ja-JP" altLang="en-US"/>
               <a:t>第 </a:t>
             </a:r>
             <a:r>
-              <a:rPr lang="en-US" altLang="ja-JP" smtClean="0"/>
+              <a:rPr lang="en-US" altLang="ja-JP"/>
               <a:t>5 </a:t>
             </a:r>
             <a:r>
-              <a:rPr lang="ja-JP" altLang="en-US" smtClean="0"/>
+              <a:rPr lang="ja-JP" altLang="en-US"/>
               <a:t>レベル</a:t>
             </a:r>
             <a:endParaRPr lang="en-US" dirty="0"/>
@@ -861,7 +861,7 @@
           <a:p>
             <a:fld id="{A8E0094F-F4DA-4A3B-B8F6-999563D6DF4F}" type="datetimeFigureOut">
               <a:rPr kumimoji="1" lang="ja-JP" altLang="en-US" smtClean="0"/>
-              <a:t>2022/6/3</a:t>
+              <a:t>2022/6/5</a:t>
             </a:fld>
             <a:endParaRPr kumimoji="1" lang="ja-JP" altLang="en-US"/>
           </a:p>
@@ -964,7 +964,7 @@
           </a:lstStyle>
           <a:p>
             <a:r>
-              <a:rPr lang="ja-JP" altLang="en-US" smtClean="0"/>
+              <a:rPr lang="ja-JP" altLang="en-US"/>
               <a:t>マスター タイトルの書式設定</a:t>
             </a:r>
             <a:endParaRPr lang="en-US" dirty="0"/>
@@ -1082,7 +1082,7 @@
           <a:p>
             <a:pPr lvl="0"/>
             <a:r>
-              <a:rPr lang="ja-JP" altLang="en-US" smtClean="0"/>
+              <a:rPr lang="ja-JP" altLang="en-US"/>
               <a:t>マスター テキストの書式設定</a:t>
             </a:r>
           </a:p>
@@ -1105,7 +1105,7 @@
           <a:p>
             <a:fld id="{A8E0094F-F4DA-4A3B-B8F6-999563D6DF4F}" type="datetimeFigureOut">
               <a:rPr kumimoji="1" lang="ja-JP" altLang="en-US" smtClean="0"/>
-              <a:t>2022/6/3</a:t>
+              <a:t>2022/6/5</a:t>
             </a:fld>
             <a:endParaRPr kumimoji="1" lang="ja-JP" altLang="en-US"/>
           </a:p>
@@ -1199,7 +1199,7 @@
           <a:lstStyle/>
           <a:p>
             <a:r>
-              <a:rPr lang="ja-JP" altLang="en-US" smtClean="0"/>
+              <a:rPr lang="ja-JP" altLang="en-US"/>
               <a:t>マスター タイトルの書式設定</a:t>
             </a:r>
             <a:endParaRPr lang="en-US" dirty="0"/>
@@ -1228,67 +1228,67 @@
           <a:p>
             <a:pPr lvl="0"/>
             <a:r>
-              <a:rPr lang="ja-JP" altLang="en-US" smtClean="0"/>
+              <a:rPr lang="ja-JP" altLang="en-US"/>
               <a:t>マスター テキストの書式設定</a:t>
             </a:r>
           </a:p>
           <a:p>
             <a:pPr lvl="1"/>
             <a:r>
-              <a:rPr lang="ja-JP" altLang="en-US" smtClean="0"/>
+              <a:rPr lang="ja-JP" altLang="en-US"/>
               <a:t>第 </a:t>
             </a:r>
             <a:r>
-              <a:rPr lang="en-US" altLang="ja-JP" smtClean="0"/>
+              <a:rPr lang="en-US" altLang="ja-JP"/>
               <a:t>2 </a:t>
             </a:r>
             <a:r>
-              <a:rPr lang="ja-JP" altLang="en-US" smtClean="0"/>
+              <a:rPr lang="ja-JP" altLang="en-US"/>
               <a:t>レベル</a:t>
             </a:r>
           </a:p>
           <a:p>
             <a:pPr lvl="2"/>
             <a:r>
-              <a:rPr lang="ja-JP" altLang="en-US" smtClean="0"/>
+              <a:rPr lang="ja-JP" altLang="en-US"/>
               <a:t>第 </a:t>
             </a:r>
             <a:r>
-              <a:rPr lang="en-US" altLang="ja-JP" smtClean="0"/>
+              <a:rPr lang="en-US" altLang="ja-JP"/>
               <a:t>3 </a:t>
             </a:r>
             <a:r>
-              <a:rPr lang="ja-JP" altLang="en-US" smtClean="0"/>
+              <a:rPr lang="ja-JP" altLang="en-US"/>
               <a:t>レベル</a:t>
             </a:r>
           </a:p>
           <a:p>
             <a:pPr lvl="3"/>
             <a:r>
-              <a:rPr lang="ja-JP" altLang="en-US" smtClean="0"/>
+              <a:rPr lang="ja-JP" altLang="en-US"/>
               <a:t>第 </a:t>
             </a:r>
             <a:r>
-              <a:rPr lang="en-US" altLang="ja-JP" smtClean="0"/>
+              <a:rPr lang="en-US" altLang="ja-JP"/>
               <a:t>4 </a:t>
             </a:r>
             <a:r>
-              <a:rPr lang="ja-JP" altLang="en-US" smtClean="0"/>
+              <a:rPr lang="ja-JP" altLang="en-US"/>
               <a:t>レベル</a:t>
             </a:r>
           </a:p>
           <a:p>
             <a:pPr lvl="4"/>
             <a:r>
-              <a:rPr lang="ja-JP" altLang="en-US" smtClean="0"/>
+              <a:rPr lang="ja-JP" altLang="en-US"/>
               <a:t>第 </a:t>
             </a:r>
             <a:r>
-              <a:rPr lang="en-US" altLang="ja-JP" smtClean="0"/>
+              <a:rPr lang="en-US" altLang="ja-JP"/>
               <a:t>5 </a:t>
             </a:r>
             <a:r>
-              <a:rPr lang="ja-JP" altLang="en-US" smtClean="0"/>
+              <a:rPr lang="ja-JP" altLang="en-US"/>
               <a:t>レベル</a:t>
             </a:r>
             <a:endParaRPr lang="en-US" dirty="0"/>
@@ -1317,67 +1317,67 @@
           <a:p>
             <a:pPr lvl="0"/>
             <a:r>
-              <a:rPr lang="ja-JP" altLang="en-US" smtClean="0"/>
+              <a:rPr lang="ja-JP" altLang="en-US"/>
               <a:t>マスター テキストの書式設定</a:t>
             </a:r>
           </a:p>
           <a:p>
             <a:pPr lvl="1"/>
             <a:r>
-              <a:rPr lang="ja-JP" altLang="en-US" smtClean="0"/>
+              <a:rPr lang="ja-JP" altLang="en-US"/>
               <a:t>第 </a:t>
             </a:r>
             <a:r>
-              <a:rPr lang="en-US" altLang="ja-JP" smtClean="0"/>
+              <a:rPr lang="en-US" altLang="ja-JP"/>
               <a:t>2 </a:t>
             </a:r>
             <a:r>
-              <a:rPr lang="ja-JP" altLang="en-US" smtClean="0"/>
+              <a:rPr lang="ja-JP" altLang="en-US"/>
               <a:t>レベル</a:t>
             </a:r>
           </a:p>
           <a:p>
             <a:pPr lvl="2"/>
             <a:r>
-              <a:rPr lang="ja-JP" altLang="en-US" smtClean="0"/>
+              <a:rPr lang="ja-JP" altLang="en-US"/>
               <a:t>第 </a:t>
             </a:r>
             <a:r>
-              <a:rPr lang="en-US" altLang="ja-JP" smtClean="0"/>
+              <a:rPr lang="en-US" altLang="ja-JP"/>
               <a:t>3 </a:t>
             </a:r>
             <a:r>
-              <a:rPr lang="ja-JP" altLang="en-US" smtClean="0"/>
+              <a:rPr lang="ja-JP" altLang="en-US"/>
               <a:t>レベル</a:t>
             </a:r>
           </a:p>
           <a:p>
             <a:pPr lvl="3"/>
             <a:r>
-              <a:rPr lang="ja-JP" altLang="en-US" smtClean="0"/>
+              <a:rPr lang="ja-JP" altLang="en-US"/>
               <a:t>第 </a:t>
             </a:r>
             <a:r>
-              <a:rPr lang="en-US" altLang="ja-JP" smtClean="0"/>
+              <a:rPr lang="en-US" altLang="ja-JP"/>
               <a:t>4 </a:t>
             </a:r>
             <a:r>
-              <a:rPr lang="ja-JP" altLang="en-US" smtClean="0"/>
+              <a:rPr lang="ja-JP" altLang="en-US"/>
               <a:t>レベル</a:t>
             </a:r>
           </a:p>
           <a:p>
             <a:pPr lvl="4"/>
             <a:r>
-              <a:rPr lang="ja-JP" altLang="en-US" smtClean="0"/>
+              <a:rPr lang="ja-JP" altLang="en-US"/>
               <a:t>第 </a:t>
             </a:r>
             <a:r>
-              <a:rPr lang="en-US" altLang="ja-JP" smtClean="0"/>
+              <a:rPr lang="en-US" altLang="ja-JP"/>
               <a:t>5 </a:t>
             </a:r>
             <a:r>
-              <a:rPr lang="ja-JP" altLang="en-US" smtClean="0"/>
+              <a:rPr lang="ja-JP" altLang="en-US"/>
               <a:t>レベル</a:t>
             </a:r>
             <a:endParaRPr lang="en-US" dirty="0"/>
@@ -1401,7 +1401,7 @@
           <a:p>
             <a:fld id="{A8E0094F-F4DA-4A3B-B8F6-999563D6DF4F}" type="datetimeFigureOut">
               <a:rPr kumimoji="1" lang="ja-JP" altLang="en-US" smtClean="0"/>
-              <a:t>2022/6/3</a:t>
+              <a:t>2022/6/5</a:t>
             </a:fld>
             <a:endParaRPr kumimoji="1" lang="ja-JP" altLang="en-US"/>
           </a:p>
@@ -1500,7 +1500,7 @@
           <a:lstStyle/>
           <a:p>
             <a:r>
-              <a:rPr lang="ja-JP" altLang="en-US" smtClean="0"/>
+              <a:rPr lang="ja-JP" altLang="en-US"/>
               <a:t>マスター タイトルの書式設定</a:t>
             </a:r>
             <a:endParaRPr lang="en-US" dirty="0"/>
@@ -1566,7 +1566,7 @@
           <a:p>
             <a:pPr lvl="0"/>
             <a:r>
-              <a:rPr lang="ja-JP" altLang="en-US" smtClean="0"/>
+              <a:rPr lang="ja-JP" altLang="en-US"/>
               <a:t>マスター テキストの書式設定</a:t>
             </a:r>
           </a:p>
@@ -1594,67 +1594,67 @@
           <a:p>
             <a:pPr lvl="0"/>
             <a:r>
-              <a:rPr lang="ja-JP" altLang="en-US" smtClean="0"/>
+              <a:rPr lang="ja-JP" altLang="en-US"/>
               <a:t>マスター テキストの書式設定</a:t>
             </a:r>
           </a:p>
           <a:p>
             <a:pPr lvl="1"/>
             <a:r>
-              <a:rPr lang="ja-JP" altLang="en-US" smtClean="0"/>
+              <a:rPr lang="ja-JP" altLang="en-US"/>
               <a:t>第 </a:t>
             </a:r>
             <a:r>
-              <a:rPr lang="en-US" altLang="ja-JP" smtClean="0"/>
+              <a:rPr lang="en-US" altLang="ja-JP"/>
               <a:t>2 </a:t>
             </a:r>
             <a:r>
-              <a:rPr lang="ja-JP" altLang="en-US" smtClean="0"/>
+              <a:rPr lang="ja-JP" altLang="en-US"/>
               <a:t>レベル</a:t>
             </a:r>
           </a:p>
           <a:p>
             <a:pPr lvl="2"/>
             <a:r>
-              <a:rPr lang="ja-JP" altLang="en-US" smtClean="0"/>
+              <a:rPr lang="ja-JP" altLang="en-US"/>
               <a:t>第 </a:t>
             </a:r>
             <a:r>
-              <a:rPr lang="en-US" altLang="ja-JP" smtClean="0"/>
+              <a:rPr lang="en-US" altLang="ja-JP"/>
               <a:t>3 </a:t>
             </a:r>
             <a:r>
-              <a:rPr lang="ja-JP" altLang="en-US" smtClean="0"/>
+              <a:rPr lang="ja-JP" altLang="en-US"/>
               <a:t>レベル</a:t>
             </a:r>
           </a:p>
           <a:p>
             <a:pPr lvl="3"/>
             <a:r>
-              <a:rPr lang="ja-JP" altLang="en-US" smtClean="0"/>
+              <a:rPr lang="ja-JP" altLang="en-US"/>
               <a:t>第 </a:t>
             </a:r>
             <a:r>
-              <a:rPr lang="en-US" altLang="ja-JP" smtClean="0"/>
+              <a:rPr lang="en-US" altLang="ja-JP"/>
               <a:t>4 </a:t>
             </a:r>
             <a:r>
-              <a:rPr lang="ja-JP" altLang="en-US" smtClean="0"/>
+              <a:rPr lang="ja-JP" altLang="en-US"/>
               <a:t>レベル</a:t>
             </a:r>
           </a:p>
           <a:p>
             <a:pPr lvl="4"/>
             <a:r>
-              <a:rPr lang="ja-JP" altLang="en-US" smtClean="0"/>
+              <a:rPr lang="ja-JP" altLang="en-US"/>
               <a:t>第 </a:t>
             </a:r>
             <a:r>
-              <a:rPr lang="en-US" altLang="ja-JP" smtClean="0"/>
+              <a:rPr lang="en-US" altLang="ja-JP"/>
               <a:t>5 </a:t>
             </a:r>
             <a:r>
-              <a:rPr lang="ja-JP" altLang="en-US" smtClean="0"/>
+              <a:rPr lang="ja-JP" altLang="en-US"/>
               <a:t>レベル</a:t>
             </a:r>
             <a:endParaRPr lang="en-US" dirty="0"/>
@@ -1720,7 +1720,7 @@
           <a:p>
             <a:pPr lvl="0"/>
             <a:r>
-              <a:rPr lang="ja-JP" altLang="en-US" smtClean="0"/>
+              <a:rPr lang="ja-JP" altLang="en-US"/>
               <a:t>マスター テキストの書式設定</a:t>
             </a:r>
           </a:p>
@@ -1748,67 +1748,67 @@
           <a:p>
             <a:pPr lvl="0"/>
             <a:r>
-              <a:rPr lang="ja-JP" altLang="en-US" smtClean="0"/>
+              <a:rPr lang="ja-JP" altLang="en-US"/>
               <a:t>マスター テキストの書式設定</a:t>
             </a:r>
           </a:p>
           <a:p>
             <a:pPr lvl="1"/>
             <a:r>
-              <a:rPr lang="ja-JP" altLang="en-US" smtClean="0"/>
+              <a:rPr lang="ja-JP" altLang="en-US"/>
               <a:t>第 </a:t>
             </a:r>
             <a:r>
-              <a:rPr lang="en-US" altLang="ja-JP" smtClean="0"/>
+              <a:rPr lang="en-US" altLang="ja-JP"/>
               <a:t>2 </a:t>
             </a:r>
             <a:r>
-              <a:rPr lang="ja-JP" altLang="en-US" smtClean="0"/>
+              <a:rPr lang="ja-JP" altLang="en-US"/>
               <a:t>レベル</a:t>
             </a:r>
           </a:p>
           <a:p>
             <a:pPr lvl="2"/>
             <a:r>
-              <a:rPr lang="ja-JP" altLang="en-US" smtClean="0"/>
+              <a:rPr lang="ja-JP" altLang="en-US"/>
               <a:t>第 </a:t>
             </a:r>
             <a:r>
-              <a:rPr lang="en-US" altLang="ja-JP" smtClean="0"/>
+              <a:rPr lang="en-US" altLang="ja-JP"/>
               <a:t>3 </a:t>
             </a:r>
             <a:r>
-              <a:rPr lang="ja-JP" altLang="en-US" smtClean="0"/>
+              <a:rPr lang="ja-JP" altLang="en-US"/>
               <a:t>レベル</a:t>
             </a:r>
           </a:p>
           <a:p>
             <a:pPr lvl="3"/>
             <a:r>
-              <a:rPr lang="ja-JP" altLang="en-US" smtClean="0"/>
+              <a:rPr lang="ja-JP" altLang="en-US"/>
               <a:t>第 </a:t>
             </a:r>
             <a:r>
-              <a:rPr lang="en-US" altLang="ja-JP" smtClean="0"/>
+              <a:rPr lang="en-US" altLang="ja-JP"/>
               <a:t>4 </a:t>
             </a:r>
             <a:r>
-              <a:rPr lang="ja-JP" altLang="en-US" smtClean="0"/>
+              <a:rPr lang="ja-JP" altLang="en-US"/>
               <a:t>レベル</a:t>
             </a:r>
           </a:p>
           <a:p>
             <a:pPr lvl="4"/>
             <a:r>
-              <a:rPr lang="ja-JP" altLang="en-US" smtClean="0"/>
+              <a:rPr lang="ja-JP" altLang="en-US"/>
               <a:t>第 </a:t>
             </a:r>
             <a:r>
-              <a:rPr lang="en-US" altLang="ja-JP" smtClean="0"/>
+              <a:rPr lang="en-US" altLang="ja-JP"/>
               <a:t>5 </a:t>
             </a:r>
             <a:r>
-              <a:rPr lang="ja-JP" altLang="en-US" smtClean="0"/>
+              <a:rPr lang="ja-JP" altLang="en-US"/>
               <a:t>レベル</a:t>
             </a:r>
             <a:endParaRPr lang="en-US" dirty="0"/>
@@ -1832,7 +1832,7 @@
           <a:p>
             <a:fld id="{A8E0094F-F4DA-4A3B-B8F6-999563D6DF4F}" type="datetimeFigureOut">
               <a:rPr kumimoji="1" lang="ja-JP" altLang="en-US" smtClean="0"/>
-              <a:t>2022/6/3</a:t>
+              <a:t>2022/6/5</a:t>
             </a:fld>
             <a:endParaRPr kumimoji="1" lang="ja-JP" altLang="en-US"/>
           </a:p>
@@ -1926,7 +1926,7 @@
           <a:lstStyle/>
           <a:p>
             <a:r>
-              <a:rPr lang="ja-JP" altLang="en-US" smtClean="0"/>
+              <a:rPr lang="ja-JP" altLang="en-US"/>
               <a:t>マスター タイトルの書式設定</a:t>
             </a:r>
             <a:endParaRPr lang="en-US" dirty="0"/>
@@ -1950,7 +1950,7 @@
           <a:p>
             <a:fld id="{A8E0094F-F4DA-4A3B-B8F6-999563D6DF4F}" type="datetimeFigureOut">
               <a:rPr kumimoji="1" lang="ja-JP" altLang="en-US" smtClean="0"/>
-              <a:t>2022/6/3</a:t>
+              <a:t>2022/6/5</a:t>
             </a:fld>
             <a:endParaRPr kumimoji="1" lang="ja-JP" altLang="en-US"/>
           </a:p>
@@ -2045,7 +2045,7 @@
           <a:p>
             <a:fld id="{A8E0094F-F4DA-4A3B-B8F6-999563D6DF4F}" type="datetimeFigureOut">
               <a:rPr kumimoji="1" lang="ja-JP" altLang="en-US" smtClean="0"/>
-              <a:t>2022/6/3</a:t>
+              <a:t>2022/6/5</a:t>
             </a:fld>
             <a:endParaRPr kumimoji="1" lang="ja-JP" altLang="en-US"/>
           </a:p>
@@ -2148,7 +2148,7 @@
           </a:lstStyle>
           <a:p>
             <a:r>
-              <a:rPr lang="ja-JP" altLang="en-US" smtClean="0"/>
+              <a:rPr lang="ja-JP" altLang="en-US"/>
               <a:t>マスター タイトルの書式設定</a:t>
             </a:r>
             <a:endParaRPr lang="en-US" dirty="0"/>
@@ -2205,67 +2205,67 @@
           <a:p>
             <a:pPr lvl="0"/>
             <a:r>
-              <a:rPr lang="ja-JP" altLang="en-US" smtClean="0"/>
+              <a:rPr lang="ja-JP" altLang="en-US"/>
               <a:t>マスター テキストの書式設定</a:t>
             </a:r>
           </a:p>
           <a:p>
             <a:pPr lvl="1"/>
             <a:r>
-              <a:rPr lang="ja-JP" altLang="en-US" smtClean="0"/>
+              <a:rPr lang="ja-JP" altLang="en-US"/>
               <a:t>第 </a:t>
             </a:r>
             <a:r>
-              <a:rPr lang="en-US" altLang="ja-JP" smtClean="0"/>
+              <a:rPr lang="en-US" altLang="ja-JP"/>
               <a:t>2 </a:t>
             </a:r>
             <a:r>
-              <a:rPr lang="ja-JP" altLang="en-US" smtClean="0"/>
+              <a:rPr lang="ja-JP" altLang="en-US"/>
               <a:t>レベル</a:t>
             </a:r>
           </a:p>
           <a:p>
             <a:pPr lvl="2"/>
             <a:r>
-              <a:rPr lang="ja-JP" altLang="en-US" smtClean="0"/>
+              <a:rPr lang="ja-JP" altLang="en-US"/>
               <a:t>第 </a:t>
             </a:r>
             <a:r>
-              <a:rPr lang="en-US" altLang="ja-JP" smtClean="0"/>
+              <a:rPr lang="en-US" altLang="ja-JP"/>
               <a:t>3 </a:t>
             </a:r>
             <a:r>
-              <a:rPr lang="ja-JP" altLang="en-US" smtClean="0"/>
+              <a:rPr lang="ja-JP" altLang="en-US"/>
               <a:t>レベル</a:t>
             </a:r>
           </a:p>
           <a:p>
             <a:pPr lvl="3"/>
             <a:r>
-              <a:rPr lang="ja-JP" altLang="en-US" smtClean="0"/>
+              <a:rPr lang="ja-JP" altLang="en-US"/>
               <a:t>第 </a:t>
             </a:r>
             <a:r>
-              <a:rPr lang="en-US" altLang="ja-JP" smtClean="0"/>
+              <a:rPr lang="en-US" altLang="ja-JP"/>
               <a:t>4 </a:t>
             </a:r>
             <a:r>
-              <a:rPr lang="ja-JP" altLang="en-US" smtClean="0"/>
+              <a:rPr lang="ja-JP" altLang="en-US"/>
               <a:t>レベル</a:t>
             </a:r>
           </a:p>
           <a:p>
             <a:pPr lvl="4"/>
             <a:r>
-              <a:rPr lang="ja-JP" altLang="en-US" smtClean="0"/>
+              <a:rPr lang="ja-JP" altLang="en-US"/>
               <a:t>第 </a:t>
             </a:r>
             <a:r>
-              <a:rPr lang="en-US" altLang="ja-JP" smtClean="0"/>
+              <a:rPr lang="en-US" altLang="ja-JP"/>
               <a:t>5 </a:t>
             </a:r>
             <a:r>
-              <a:rPr lang="ja-JP" altLang="en-US" smtClean="0"/>
+              <a:rPr lang="ja-JP" altLang="en-US"/>
               <a:t>レベル</a:t>
             </a:r>
             <a:endParaRPr lang="en-US" dirty="0"/>
@@ -2331,7 +2331,7 @@
           <a:p>
             <a:pPr lvl="0"/>
             <a:r>
-              <a:rPr lang="ja-JP" altLang="en-US" smtClean="0"/>
+              <a:rPr lang="ja-JP" altLang="en-US"/>
               <a:t>マスター テキストの書式設定</a:t>
             </a:r>
           </a:p>
@@ -2354,7 +2354,7 @@
           <a:p>
             <a:fld id="{A8E0094F-F4DA-4A3B-B8F6-999563D6DF4F}" type="datetimeFigureOut">
               <a:rPr kumimoji="1" lang="ja-JP" altLang="en-US" smtClean="0"/>
-              <a:t>2022/6/3</a:t>
+              <a:t>2022/6/5</a:t>
             </a:fld>
             <a:endParaRPr kumimoji="1" lang="ja-JP" altLang="en-US"/>
           </a:p>
@@ -2457,7 +2457,7 @@
           </a:lstStyle>
           <a:p>
             <a:r>
-              <a:rPr lang="ja-JP" altLang="en-US" smtClean="0"/>
+              <a:rPr lang="ja-JP" altLang="en-US"/>
               <a:t>マスター タイトルの書式設定</a:t>
             </a:r>
             <a:endParaRPr lang="en-US" dirty="0"/>
@@ -2522,7 +2522,7 @@
           </a:lstStyle>
           <a:p>
             <a:r>
-              <a:rPr lang="ja-JP" altLang="en-US" smtClean="0"/>
+              <a:rPr lang="ja-JP" altLang="en-US"/>
               <a:t>図を追加</a:t>
             </a:r>
             <a:endParaRPr lang="en-US" dirty="0"/>
@@ -2588,7 +2588,7 @@
           <a:p>
             <a:pPr lvl="0"/>
             <a:r>
-              <a:rPr lang="ja-JP" altLang="en-US" smtClean="0"/>
+              <a:rPr lang="ja-JP" altLang="en-US"/>
               <a:t>マスター テキストの書式設定</a:t>
             </a:r>
           </a:p>
@@ -2611,7 +2611,7 @@
           <a:p>
             <a:fld id="{A8E0094F-F4DA-4A3B-B8F6-999563D6DF4F}" type="datetimeFigureOut">
               <a:rPr kumimoji="1" lang="ja-JP" altLang="en-US" smtClean="0"/>
-              <a:t>2022/6/3</a:t>
+              <a:t>2022/6/5</a:t>
             </a:fld>
             <a:endParaRPr kumimoji="1" lang="ja-JP" altLang="en-US"/>
           </a:p>
@@ -2720,7 +2720,7 @@
           <a:lstStyle/>
           <a:p>
             <a:r>
-              <a:rPr lang="ja-JP" altLang="en-US" smtClean="0"/>
+              <a:rPr lang="ja-JP" altLang="en-US"/>
               <a:t>マスター タイトルの書式設定</a:t>
             </a:r>
             <a:endParaRPr lang="en-US" dirty="0"/>
@@ -2754,67 +2754,67 @@
           <a:p>
             <a:pPr lvl="0"/>
             <a:r>
-              <a:rPr lang="ja-JP" altLang="en-US" smtClean="0"/>
+              <a:rPr lang="ja-JP" altLang="en-US"/>
               <a:t>マスター テキストの書式設定</a:t>
             </a:r>
           </a:p>
           <a:p>
             <a:pPr lvl="1"/>
             <a:r>
-              <a:rPr lang="ja-JP" altLang="en-US" smtClean="0"/>
+              <a:rPr lang="ja-JP" altLang="en-US"/>
               <a:t>第 </a:t>
             </a:r>
             <a:r>
-              <a:rPr lang="en-US" altLang="ja-JP" smtClean="0"/>
+              <a:rPr lang="en-US" altLang="ja-JP"/>
               <a:t>2 </a:t>
             </a:r>
             <a:r>
-              <a:rPr lang="ja-JP" altLang="en-US" smtClean="0"/>
+              <a:rPr lang="ja-JP" altLang="en-US"/>
               <a:t>レベル</a:t>
             </a:r>
           </a:p>
           <a:p>
             <a:pPr lvl="2"/>
             <a:r>
-              <a:rPr lang="ja-JP" altLang="en-US" smtClean="0"/>
+              <a:rPr lang="ja-JP" altLang="en-US"/>
               <a:t>第 </a:t>
             </a:r>
             <a:r>
-              <a:rPr lang="en-US" altLang="ja-JP" smtClean="0"/>
+              <a:rPr lang="en-US" altLang="ja-JP"/>
               <a:t>3 </a:t>
             </a:r>
             <a:r>
-              <a:rPr lang="ja-JP" altLang="en-US" smtClean="0"/>
+              <a:rPr lang="ja-JP" altLang="en-US"/>
               <a:t>レベル</a:t>
             </a:r>
           </a:p>
           <a:p>
             <a:pPr lvl="3"/>
             <a:r>
-              <a:rPr lang="ja-JP" altLang="en-US" smtClean="0"/>
+              <a:rPr lang="ja-JP" altLang="en-US"/>
               <a:t>第 </a:t>
             </a:r>
             <a:r>
-              <a:rPr lang="en-US" altLang="ja-JP" smtClean="0"/>
+              <a:rPr lang="en-US" altLang="ja-JP"/>
               <a:t>4 </a:t>
             </a:r>
             <a:r>
-              <a:rPr lang="ja-JP" altLang="en-US" smtClean="0"/>
+              <a:rPr lang="ja-JP" altLang="en-US"/>
               <a:t>レベル</a:t>
             </a:r>
           </a:p>
           <a:p>
             <a:pPr lvl="4"/>
             <a:r>
-              <a:rPr lang="ja-JP" altLang="en-US" smtClean="0"/>
+              <a:rPr lang="ja-JP" altLang="en-US"/>
               <a:t>第 </a:t>
             </a:r>
             <a:r>
-              <a:rPr lang="en-US" altLang="ja-JP" smtClean="0"/>
+              <a:rPr lang="en-US" altLang="ja-JP"/>
               <a:t>5 </a:t>
             </a:r>
             <a:r>
-              <a:rPr lang="ja-JP" altLang="en-US" smtClean="0"/>
+              <a:rPr lang="ja-JP" altLang="en-US"/>
               <a:t>レベル</a:t>
             </a:r>
             <a:endParaRPr lang="en-US" dirty="0"/>
@@ -2856,7 +2856,7 @@
           <a:p>
             <a:fld id="{A8E0094F-F4DA-4A3B-B8F6-999563D6DF4F}" type="datetimeFigureOut">
               <a:rPr kumimoji="1" lang="ja-JP" altLang="en-US" smtClean="0"/>
-              <a:t>2022/6/3</a:t>
+              <a:t>2022/6/5</a:t>
             </a:fld>
             <a:endParaRPr kumimoji="1" lang="ja-JP" altLang="en-US"/>
           </a:p>
@@ -3299,7 +3299,7 @@
           <a:p>
             <a:pPr algn="ctr"/>
             <a:r>
-              <a:rPr kumimoji="1" lang="en-US" altLang="ja-JP" sz="1400" dirty="0" smtClean="0">
+              <a:rPr kumimoji="1" lang="en-US" altLang="ja-JP" sz="1400" dirty="0">
                 <a:latin typeface="Arial" panose="020B0604020202020204" pitchFamily="34" charset="0"/>
                 <a:cs typeface="Arial" panose="020B0604020202020204" pitchFamily="34" charset="0"/>
               </a:rPr>
@@ -3355,7 +3355,7 @@
           <a:p>
             <a:pPr algn="ctr"/>
             <a:r>
-              <a:rPr kumimoji="1" lang="en-US" altLang="ja-JP" sz="1400" dirty="0" smtClean="0">
+              <a:rPr kumimoji="1" lang="en-US" altLang="ja-JP" sz="1400" dirty="0">
                 <a:latin typeface="Arial" panose="020B0604020202020204" pitchFamily="34" charset="0"/>
                 <a:cs typeface="Arial" panose="020B0604020202020204" pitchFamily="34" charset="0"/>
               </a:rPr>
@@ -3406,7 +3406,7 @@
           <a:p>
             <a:pPr algn="ctr"/>
             <a:r>
-              <a:rPr kumimoji="1" lang="en-US" altLang="ja-JP" sz="1400" dirty="0" err="1" smtClean="0">
+              <a:rPr kumimoji="1" lang="en-US" altLang="ja-JP" sz="1400" dirty="0" err="1">
                 <a:latin typeface="Arial" panose="020B0604020202020204" pitchFamily="34" charset="0"/>
                 <a:cs typeface="Arial" panose="020B0604020202020204" pitchFamily="34" charset="0"/>
               </a:rPr>
@@ -4410,7 +4410,7 @@
           <a:p>
             <a:pPr algn="ctr"/>
             <a:r>
-              <a:rPr lang="en-US" altLang="ja-JP" dirty="0" smtClean="0"/>
+              <a:rPr lang="en-US" altLang="ja-JP" dirty="0"/>
               <a:t>wallet</a:t>
             </a:r>
             <a:endParaRPr kumimoji="1" lang="ja-JP" altLang="en-US" dirty="0"/>
@@ -4674,7 +4674,7 @@
           <a:lstStyle/>
           <a:p>
             <a:r>
-              <a:rPr kumimoji="1" lang="en-US" altLang="ja-JP" sz="1000" dirty="0" smtClean="0">
+              <a:rPr kumimoji="1" lang="en-US" altLang="ja-JP" sz="1000" dirty="0">
                 <a:latin typeface="Arial" panose="020B0604020202020204" pitchFamily="34" charset="0"/>
                 <a:cs typeface="Arial" panose="020B0604020202020204" pitchFamily="34" charset="0"/>
               </a:rPr>
@@ -4683,7 +4683,7 @@
           </a:p>
           <a:p>
             <a:r>
-              <a:rPr kumimoji="1" lang="en-US" altLang="ja-JP" sz="1000" dirty="0" smtClean="0">
+              <a:rPr kumimoji="1" lang="en-US" altLang="ja-JP" sz="1000" dirty="0">
                 <a:latin typeface="Arial" panose="020B0604020202020204" pitchFamily="34" charset="0"/>
                 <a:cs typeface="Arial" panose="020B0604020202020204" pitchFamily="34" charset="0"/>
               </a:rPr>
@@ -4719,7 +4719,7 @@
           <a:lstStyle/>
           <a:p>
             <a:r>
-              <a:rPr kumimoji="1" lang="en-US" altLang="ja-JP" sz="1000" dirty="0" smtClean="0">
+              <a:rPr kumimoji="1" lang="en-US" altLang="ja-JP" sz="1000" dirty="0">
                 <a:latin typeface="Arial" panose="020B0604020202020204" pitchFamily="34" charset="0"/>
                 <a:cs typeface="Arial" panose="020B0604020202020204" pitchFamily="34" charset="0"/>
               </a:rPr>
@@ -4728,7 +4728,7 @@
           </a:p>
           <a:p>
             <a:r>
-              <a:rPr lang="en-US" altLang="ja-JP" sz="1000" dirty="0" smtClean="0">
+              <a:rPr lang="en-US" altLang="ja-JP" sz="1000" dirty="0">
                 <a:latin typeface="Arial" panose="020B0604020202020204" pitchFamily="34" charset="0"/>
                 <a:cs typeface="Arial" panose="020B0604020202020204" pitchFamily="34" charset="0"/>
               </a:rPr>
@@ -4765,7 +4765,7 @@
           <a:p>
             <a:pPr algn="r"/>
             <a:r>
-              <a:rPr kumimoji="1" lang="en-US" altLang="ja-JP" sz="1000" dirty="0" smtClean="0">
+              <a:rPr kumimoji="1" lang="en-US" altLang="ja-JP" sz="1000" dirty="0">
                 <a:latin typeface="Arial" panose="020B0604020202020204" pitchFamily="34" charset="0"/>
                 <a:cs typeface="Arial" panose="020B0604020202020204" pitchFamily="34" charset="0"/>
               </a:rPr>
@@ -4775,18 +4775,11 @@
           <a:p>
             <a:pPr algn="r"/>
             <a:r>
-              <a:rPr lang="en-US" altLang="ja-JP" sz="1000" dirty="0" smtClean="0">
-                <a:latin typeface="Arial" panose="020B0604020202020204" pitchFamily="34" charset="0"/>
-                <a:cs typeface="Arial" panose="020B0604020202020204" pitchFamily="34" charset="0"/>
-              </a:rPr>
-              <a:t>Link to NTT or </a:t>
-            </a:r>
-            <a:r>
-              <a:rPr lang="en-US" altLang="ja-JP" sz="1000" dirty="0" smtClean="0">
-                <a:latin typeface="Arial" panose="020B0604020202020204" pitchFamily="34" charset="0"/>
-                <a:cs typeface="Arial" panose="020B0604020202020204" pitchFamily="34" charset="0"/>
-              </a:rPr>
-              <a:t>NFT by ID</a:t>
+              <a:rPr lang="en-US" altLang="ja-JP" sz="1000" dirty="0">
+                <a:latin typeface="Arial" panose="020B0604020202020204" pitchFamily="34" charset="0"/>
+                <a:cs typeface="Arial" panose="020B0604020202020204" pitchFamily="34" charset="0"/>
+              </a:rPr>
+              <a:t>Link to NTT or NFT by ID</a:t>
             </a:r>
             <a:endParaRPr kumimoji="1" lang="ja-JP" altLang="en-US" sz="1000" dirty="0">
               <a:latin typeface="Arial" panose="020B0604020202020204" pitchFamily="34" charset="0"/>
@@ -4818,7 +4811,7 @@
           <a:lstStyle/>
           <a:p>
             <a:r>
-              <a:rPr kumimoji="1" lang="en-US" altLang="ja-JP" sz="1000" dirty="0" smtClean="0">
+              <a:rPr kumimoji="1" lang="en-US" altLang="ja-JP" sz="1000" dirty="0">
                 <a:latin typeface="Arial" panose="020B0604020202020204" pitchFamily="34" charset="0"/>
                 <a:cs typeface="Arial" panose="020B0604020202020204" pitchFamily="34" charset="0"/>
               </a:rPr>
@@ -4827,18 +4820,11 @@
           </a:p>
           <a:p>
             <a:r>
-              <a:rPr kumimoji="1" lang="en-US" altLang="ja-JP" sz="1000" dirty="0" smtClean="0">
-                <a:latin typeface="Arial" panose="020B0604020202020204" pitchFamily="34" charset="0"/>
-                <a:cs typeface="Arial" panose="020B0604020202020204" pitchFamily="34" charset="0"/>
-              </a:rPr>
-              <a:t>No writable variants, link </a:t>
-            </a:r>
-            <a:r>
-              <a:rPr kumimoji="1" lang="en-US" altLang="ja-JP" sz="1000" dirty="0" smtClean="0">
-                <a:latin typeface="Arial" panose="020B0604020202020204" pitchFamily="34" charset="0"/>
-                <a:cs typeface="Arial" panose="020B0604020202020204" pitchFamily="34" charset="0"/>
-              </a:rPr>
-              <a:t>to wallet</a:t>
+              <a:rPr kumimoji="1" lang="en-US" altLang="ja-JP" sz="1000" dirty="0">
+                <a:latin typeface="Arial" panose="020B0604020202020204" pitchFamily="34" charset="0"/>
+                <a:cs typeface="Arial" panose="020B0604020202020204" pitchFamily="34" charset="0"/>
+              </a:rPr>
+              <a:t>No writable variants, link to wallet</a:t>
             </a:r>
             <a:endParaRPr kumimoji="1" lang="ja-JP" altLang="en-US" sz="1000" dirty="0">
               <a:latin typeface="Arial" panose="020B0604020202020204" pitchFamily="34" charset="0"/>
@@ -4871,7 +4857,7 @@
           <a:p>
             <a:pPr algn="ctr"/>
             <a:r>
-              <a:rPr kumimoji="1" lang="en-US" altLang="ja-JP" sz="1000" dirty="0" smtClean="0">
+              <a:rPr kumimoji="1" lang="en-US" altLang="ja-JP" sz="1000" dirty="0">
                 <a:latin typeface="Arial" panose="020B0604020202020204" pitchFamily="34" charset="0"/>
                 <a:cs typeface="Arial" panose="020B0604020202020204" pitchFamily="34" charset="0"/>
               </a:rPr>
@@ -4908,7 +4894,7 @@
           <a:p>
             <a:pPr algn="ctr"/>
             <a:r>
-              <a:rPr kumimoji="1" lang="en-US" altLang="ja-JP" sz="1000" dirty="0" smtClean="0">
+              <a:rPr kumimoji="1" lang="en-US" altLang="ja-JP" sz="1000" dirty="0">
                 <a:latin typeface="Arial" panose="020B0604020202020204" pitchFamily="34" charset="0"/>
                 <a:cs typeface="Arial" panose="020B0604020202020204" pitchFamily="34" charset="0"/>
               </a:rPr>
@@ -4945,7 +4931,7 @@
           <a:p>
             <a:pPr algn="ctr"/>
             <a:r>
-              <a:rPr kumimoji="1" lang="en-US" altLang="ja-JP" sz="1000" dirty="0" smtClean="0">
+              <a:rPr kumimoji="1" lang="en-US" altLang="ja-JP" sz="1000" dirty="0">
                 <a:latin typeface="Arial" panose="020B0604020202020204" pitchFamily="34" charset="0"/>
                 <a:cs typeface="Arial" panose="020B0604020202020204" pitchFamily="34" charset="0"/>
               </a:rPr>
@@ -4982,7 +4968,7 @@
           <a:p>
             <a:pPr algn="ctr"/>
             <a:r>
-              <a:rPr kumimoji="1" lang="en-US" altLang="ja-JP" sz="1000" dirty="0" smtClean="0">
+              <a:rPr kumimoji="1" lang="en-US" altLang="ja-JP" sz="1000" dirty="0">
                 <a:solidFill>
                   <a:srgbClr val="FFC000"/>
                 </a:solidFill>
@@ -5025,7 +5011,7 @@
           <a:p>
             <a:pPr algn="ctr"/>
             <a:r>
-              <a:rPr kumimoji="1" lang="en-US" altLang="ja-JP" sz="1000" dirty="0" smtClean="0">
+              <a:rPr kumimoji="1" lang="en-US" altLang="ja-JP" sz="1000" dirty="0">
                 <a:solidFill>
                   <a:schemeClr val="accent2">
                     <a:lumMod val="75000"/>
@@ -5072,7 +5058,7 @@
           <a:p>
             <a:pPr algn="ctr"/>
             <a:r>
-              <a:rPr kumimoji="1" lang="en-US" altLang="ja-JP" sz="1000" dirty="0" smtClean="0">
+              <a:rPr kumimoji="1" lang="en-US" altLang="ja-JP" sz="1000" dirty="0">
                 <a:solidFill>
                   <a:srgbClr val="0070C0"/>
                 </a:solidFill>
@@ -5115,7 +5101,7 @@
           <a:p>
             <a:pPr algn="ctr"/>
             <a:r>
-              <a:rPr kumimoji="1" lang="en-US" altLang="ja-JP" sz="1000" dirty="0" smtClean="0">
+              <a:rPr kumimoji="1" lang="en-US" altLang="ja-JP" sz="1000" dirty="0">
                 <a:latin typeface="Arial" panose="020B0604020202020204" pitchFamily="34" charset="0"/>
                 <a:cs typeface="Arial" panose="020B0604020202020204" pitchFamily="34" charset="0"/>
               </a:rPr>
@@ -5151,7 +5137,7 @@
           <a:lstStyle/>
           <a:p>
             <a:r>
-              <a:rPr lang="en-US" altLang="ja-JP" sz="1000" dirty="0" smtClean="0">
+              <a:rPr lang="en-US" altLang="ja-JP" sz="1000" dirty="0">
                 <a:solidFill>
                   <a:schemeClr val="bg1">
                     <a:lumMod val="50000"/>
@@ -5163,7 +5149,7 @@
               <a:t>mml: </a:t>
             </a:r>
             <a:r>
-              <a:rPr lang="en-US" altLang="ja-JP" sz="1000" dirty="0" err="1" smtClean="0">
+              <a:rPr lang="en-US" altLang="ja-JP" sz="1000" dirty="0" err="1">
                 <a:solidFill>
                   <a:schemeClr val="bg1">
                     <a:lumMod val="50000"/>
@@ -5174,7 +5160,7 @@
               </a:rPr>
               <a:t>murasaki_mail</a:t>
             </a:r>
-            <a:endParaRPr lang="en-US" altLang="ja-JP" sz="1000" dirty="0" smtClean="0">
+            <a:endParaRPr lang="en-US" altLang="ja-JP" sz="1000" dirty="0">
               <a:solidFill>
                 <a:schemeClr val="bg1">
                   <a:lumMod val="50000"/>
@@ -5186,7 +5172,7 @@
           </a:p>
           <a:p>
             <a:r>
-              <a:rPr lang="en-US" altLang="ja-JP" sz="1000" dirty="0" err="1" smtClean="0">
+              <a:rPr lang="en-US" altLang="ja-JP" sz="1000" dirty="0" err="1">
                 <a:solidFill>
                   <a:schemeClr val="bg1">
                     <a:lumMod val="50000"/>
@@ -5198,7 +5184,7 @@
               <a:t>wd</a:t>
             </a:r>
             <a:r>
-              <a:rPr lang="en-US" altLang="ja-JP" sz="1000" dirty="0" smtClean="0">
+              <a:rPr lang="en-US" altLang="ja-JP" sz="1000" dirty="0">
                 <a:solidFill>
                   <a:schemeClr val="bg1">
                     <a:lumMod val="50000"/>
@@ -5210,7 +5196,7 @@
               <a:t>: </a:t>
             </a:r>
             <a:r>
-              <a:rPr lang="en-US" altLang="ja-JP" sz="1000" dirty="0" err="1" smtClean="0">
+              <a:rPr lang="en-US" altLang="ja-JP" sz="1000" dirty="0" err="1">
                 <a:solidFill>
                   <a:schemeClr val="bg1">
                     <a:lumMod val="50000"/>
@@ -5271,7 +5257,7 @@
           <a:p>
             <a:pPr algn="ctr"/>
             <a:r>
-              <a:rPr lang="en-US" altLang="ja-JP" sz="1400" dirty="0" smtClean="0">
+              <a:rPr lang="en-US" altLang="ja-JP" sz="1400" dirty="0">
                 <a:latin typeface="Arial" panose="020B0604020202020204" pitchFamily="34" charset="0"/>
                 <a:cs typeface="Arial" panose="020B0604020202020204" pitchFamily="34" charset="0"/>
               </a:rPr>
@@ -5322,7 +5308,7 @@
           <a:p>
             <a:pPr algn="ctr"/>
             <a:r>
-              <a:rPr lang="en-US" altLang="ja-JP" sz="1400" dirty="0" err="1" smtClean="0">
+              <a:rPr lang="en-US" altLang="ja-JP" sz="1400" dirty="0" err="1">
                 <a:latin typeface="Arial" panose="020B0604020202020204" pitchFamily="34" charset="0"/>
                 <a:cs typeface="Arial" panose="020B0604020202020204" pitchFamily="34" charset="0"/>
               </a:rPr>
@@ -5359,7 +5345,7 @@
           <a:p>
             <a:pPr algn="ctr"/>
             <a:r>
-              <a:rPr kumimoji="1" lang="en-US" altLang="ja-JP" sz="1000" dirty="0" smtClean="0">
+              <a:rPr kumimoji="1" lang="en-US" altLang="ja-JP" sz="1000" dirty="0">
                 <a:latin typeface="Arial" panose="020B0604020202020204" pitchFamily="34" charset="0"/>
                 <a:cs typeface="Arial" panose="020B0604020202020204" pitchFamily="34" charset="0"/>
               </a:rPr>
@@ -5369,13 +5355,13 @@
           <a:p>
             <a:pPr algn="ctr"/>
             <a:r>
-              <a:rPr lang="en-US" altLang="ja-JP" sz="1000" dirty="0" smtClean="0">
+              <a:rPr lang="en-US" altLang="ja-JP" sz="1000" dirty="0">
                 <a:latin typeface="Arial" panose="020B0604020202020204" pitchFamily="34" charset="0"/>
                 <a:cs typeface="Arial" panose="020B0604020202020204" pitchFamily="34" charset="0"/>
               </a:rPr>
               <a:t>logical functions and own storage</a:t>
             </a:r>
-            <a:endParaRPr kumimoji="1" lang="en-US" altLang="ja-JP" sz="1000" dirty="0" smtClean="0">
+            <a:endParaRPr kumimoji="1" lang="en-US" altLang="ja-JP" sz="1000" dirty="0">
               <a:latin typeface="Arial" panose="020B0604020202020204" pitchFamily="34" charset="0"/>
               <a:cs typeface="Arial" panose="020B0604020202020204" pitchFamily="34" charset="0"/>
             </a:endParaRPr>
@@ -5406,7 +5392,7 @@
           <a:p>
             <a:pPr algn="ctr"/>
             <a:r>
-              <a:rPr kumimoji="1" lang="en-US" altLang="ja-JP" sz="1000" dirty="0" smtClean="0">
+              <a:rPr kumimoji="1" lang="en-US" altLang="ja-JP" sz="1000" dirty="0">
                 <a:solidFill>
                   <a:srgbClr val="FF0000"/>
                 </a:solidFill>
@@ -5448,7 +5434,7 @@
           <a:lstStyle/>
           <a:p>
             <a:r>
-              <a:rPr kumimoji="1" lang="en-US" altLang="ja-JP" sz="1000" dirty="0" err="1" smtClean="0">
+              <a:rPr kumimoji="1" lang="en-US" altLang="ja-JP" sz="1000" dirty="0" err="1">
                 <a:solidFill>
                   <a:srgbClr val="FFC000"/>
                 </a:solidFill>
@@ -5458,7 +5444,7 @@
               <a:t>mfs</a:t>
             </a:r>
             <a:r>
-              <a:rPr kumimoji="1" lang="en-US" altLang="ja-JP" sz="1000" dirty="0" smtClean="0">
+              <a:rPr kumimoji="1" lang="en-US" altLang="ja-JP" sz="1000" dirty="0">
                 <a:solidFill>
                   <a:srgbClr val="FFC000"/>
                 </a:solidFill>
@@ -5468,7 +5454,7 @@
               <a:t>: </a:t>
             </a:r>
             <a:r>
-              <a:rPr kumimoji="1" lang="en-US" altLang="ja-JP" sz="1000" dirty="0" err="1" smtClean="0">
+              <a:rPr kumimoji="1" lang="en-US" altLang="ja-JP" sz="1000" dirty="0" err="1">
                 <a:solidFill>
                   <a:srgbClr val="FFC000"/>
                 </a:solidFill>
@@ -5477,7 +5463,7 @@
               </a:rPr>
               <a:t>murasaki_function_share</a:t>
             </a:r>
-            <a:endParaRPr kumimoji="1" lang="en-US" altLang="ja-JP" sz="1000" dirty="0" smtClean="0">
+            <a:endParaRPr kumimoji="1" lang="en-US" altLang="ja-JP" sz="1000" dirty="0">
               <a:solidFill>
                 <a:srgbClr val="FFC000"/>
               </a:solidFill>
@@ -5487,7 +5473,7 @@
           </a:p>
           <a:p>
             <a:r>
-              <a:rPr lang="en-US" altLang="ja-JP" sz="1000" dirty="0" err="1" smtClean="0">
+              <a:rPr lang="en-US" altLang="ja-JP" sz="1000" dirty="0" err="1">
                 <a:solidFill>
                   <a:srgbClr val="FFC000"/>
                 </a:solidFill>
@@ -5497,7 +5483,7 @@
               <a:t>mfcc</a:t>
             </a:r>
             <a:r>
-              <a:rPr lang="en-US" altLang="ja-JP" sz="1000" dirty="0" smtClean="0">
+              <a:rPr lang="en-US" altLang="ja-JP" sz="1000" dirty="0">
                 <a:solidFill>
                   <a:srgbClr val="FFC000"/>
                 </a:solidFill>
@@ -5507,7 +5493,7 @@
               <a:t>: </a:t>
             </a:r>
             <a:r>
-              <a:rPr lang="en-US" altLang="ja-JP" sz="1000" dirty="0" err="1" smtClean="0">
+              <a:rPr lang="en-US" altLang="ja-JP" sz="1000" dirty="0" err="1">
                 <a:solidFill>
                   <a:srgbClr val="FFC000"/>
                 </a:solidFill>
@@ -5516,7 +5502,7 @@
               </a:rPr>
               <a:t>murasaki_function_crafting_codex</a:t>
             </a:r>
-            <a:endParaRPr lang="en-US" altLang="ja-JP" sz="1000" dirty="0" smtClean="0">
+            <a:endParaRPr lang="en-US" altLang="ja-JP" sz="1000" dirty="0">
               <a:solidFill>
                 <a:srgbClr val="FFC000"/>
               </a:solidFill>
@@ -5549,7 +5535,7 @@
           <a:lstStyle/>
           <a:p>
             <a:r>
-              <a:rPr lang="en-US" altLang="ja-JP" sz="1000" dirty="0" err="1" smtClean="0">
+              <a:rPr lang="en-US" altLang="ja-JP" sz="1000" dirty="0" err="1">
                 <a:solidFill>
                   <a:srgbClr val="0070C0"/>
                 </a:solidFill>
@@ -5559,7 +5545,7 @@
               <a:t>mfsl</a:t>
             </a:r>
             <a:r>
-              <a:rPr lang="en-US" altLang="ja-JP" sz="1000" dirty="0" smtClean="0">
+              <a:rPr lang="en-US" altLang="ja-JP" sz="1000" dirty="0">
                 <a:solidFill>
                   <a:srgbClr val="0070C0"/>
                 </a:solidFill>
@@ -5569,7 +5555,7 @@
               <a:t>: </a:t>
             </a:r>
             <a:r>
-              <a:rPr lang="en-US" altLang="ja-JP" sz="1000" dirty="0" err="1" smtClean="0">
+              <a:rPr lang="en-US" altLang="ja-JP" sz="1000" dirty="0" err="1">
                 <a:solidFill>
                   <a:srgbClr val="0070C0"/>
                 </a:solidFill>
@@ -5578,7 +5564,7 @@
               </a:rPr>
               <a:t>murasaki_function_summon_and_levelup</a:t>
             </a:r>
-            <a:endParaRPr lang="en-US" altLang="ja-JP" sz="1000" dirty="0" smtClean="0">
+            <a:endParaRPr lang="en-US" altLang="ja-JP" sz="1000" dirty="0">
               <a:solidFill>
                 <a:srgbClr val="0070C0"/>
               </a:solidFill>
@@ -5588,7 +5574,7 @@
           </a:p>
           <a:p>
             <a:r>
-              <a:rPr kumimoji="1" lang="en-US" altLang="ja-JP" sz="1000" dirty="0" err="1" smtClean="0">
+              <a:rPr kumimoji="1" lang="en-US" altLang="ja-JP" sz="1000" dirty="0" err="1">
                 <a:solidFill>
                   <a:srgbClr val="0070C0"/>
                 </a:solidFill>
@@ -5598,7 +5584,7 @@
               <a:t>mffg</a:t>
             </a:r>
             <a:r>
-              <a:rPr kumimoji="1" lang="en-US" altLang="ja-JP" sz="1000" dirty="0" smtClean="0">
+              <a:rPr kumimoji="1" lang="en-US" altLang="ja-JP" sz="1000" dirty="0">
                 <a:solidFill>
                   <a:srgbClr val="0070C0"/>
                 </a:solidFill>
@@ -5608,7 +5594,7 @@
               <a:t>: </a:t>
             </a:r>
             <a:r>
-              <a:rPr kumimoji="1" lang="en-US" altLang="ja-JP" sz="1000" dirty="0" err="1" smtClean="0">
+              <a:rPr kumimoji="1" lang="en-US" altLang="ja-JP" sz="1000" dirty="0" err="1">
                 <a:solidFill>
                   <a:srgbClr val="0070C0"/>
                 </a:solidFill>
@@ -5617,7 +5603,7 @@
               </a:rPr>
               <a:t>murasaki_function_feeding_and_grooming</a:t>
             </a:r>
-            <a:endParaRPr kumimoji="1" lang="en-US" altLang="ja-JP" sz="1000" dirty="0" smtClean="0">
+            <a:endParaRPr kumimoji="1" lang="en-US" altLang="ja-JP" sz="1000" dirty="0">
               <a:solidFill>
                 <a:srgbClr val="0070C0"/>
               </a:solidFill>
@@ -5627,7 +5613,7 @@
           </a:p>
           <a:p>
             <a:r>
-              <a:rPr lang="en-US" altLang="ja-JP" sz="1000" dirty="0" err="1" smtClean="0">
+              <a:rPr lang="en-US" altLang="ja-JP" sz="1000" dirty="0" err="1">
                 <a:solidFill>
                   <a:srgbClr val="0070C0"/>
                 </a:solidFill>
@@ -5637,7 +5623,7 @@
               <a:t>mfmf</a:t>
             </a:r>
             <a:r>
-              <a:rPr lang="en-US" altLang="ja-JP" sz="1000" dirty="0" smtClean="0">
+              <a:rPr lang="en-US" altLang="ja-JP" sz="1000" dirty="0">
                 <a:solidFill>
                   <a:srgbClr val="0070C0"/>
                 </a:solidFill>
@@ -5647,7 +5633,7 @@
               <a:t>: </a:t>
             </a:r>
             <a:r>
-              <a:rPr lang="en-US" altLang="ja-JP" sz="1000" dirty="0" err="1" smtClean="0">
+              <a:rPr lang="en-US" altLang="ja-JP" sz="1000" dirty="0" err="1">
                 <a:solidFill>
                   <a:srgbClr val="0070C0"/>
                 </a:solidFill>
@@ -5656,7 +5642,7 @@
               </a:rPr>
               <a:t>murasaki_function_mining_and_farming</a:t>
             </a:r>
-            <a:endParaRPr lang="en-US" altLang="ja-JP" sz="1000" dirty="0" smtClean="0">
+            <a:endParaRPr lang="en-US" altLang="ja-JP" sz="1000" dirty="0">
               <a:solidFill>
                 <a:srgbClr val="0070C0"/>
               </a:solidFill>
@@ -5666,16 +5652,6 @@
           </a:p>
           <a:p>
             <a:r>
-              <a:rPr lang="en-US" altLang="ja-JP" sz="1000" dirty="0" smtClean="0">
-                <a:solidFill>
-                  <a:srgbClr val="0070C0"/>
-                </a:solidFill>
-                <a:latin typeface="Arial" panose="020B0604020202020204" pitchFamily="34" charset="0"/>
-                <a:cs typeface="Arial" panose="020B0604020202020204" pitchFamily="34" charset="0"/>
-              </a:rPr>
-              <a:t>mfc1</a:t>
-            </a:r>
-            <a:r>
               <a:rPr lang="en-US" altLang="ja-JP" sz="1000" dirty="0">
                 <a:solidFill>
                   <a:srgbClr val="0070C0"/>
@@ -5683,20 +5659,10 @@
                 <a:latin typeface="Arial" panose="020B0604020202020204" pitchFamily="34" charset="0"/>
                 <a:cs typeface="Arial" panose="020B0604020202020204" pitchFamily="34" charset="0"/>
               </a:rPr>
-              <a:t>: murasaki_function_crafting1</a:t>
-            </a:r>
-          </a:p>
-          <a:p>
-            <a:r>
-              <a:rPr lang="en-US" altLang="ja-JP" sz="1000" dirty="0" smtClean="0">
-                <a:solidFill>
-                  <a:srgbClr val="0070C0"/>
-                </a:solidFill>
-                <a:latin typeface="Arial" panose="020B0604020202020204" pitchFamily="34" charset="0"/>
-                <a:cs typeface="Arial" panose="020B0604020202020204" pitchFamily="34" charset="0"/>
-              </a:rPr>
-              <a:t>mfc1</a:t>
-            </a:r>
+              <a:t>mfc1: murasaki_function_crafting1</a:t>
+            </a:r>
+          </a:p>
+          <a:p>
             <a:r>
               <a:rPr lang="en-US" altLang="ja-JP" sz="1000" dirty="0">
                 <a:solidFill>
@@ -5705,51 +5671,41 @@
                 <a:latin typeface="Arial" panose="020B0604020202020204" pitchFamily="34" charset="0"/>
                 <a:cs typeface="Arial" panose="020B0604020202020204" pitchFamily="34" charset="0"/>
               </a:rPr>
-              <a:t>: </a:t>
-            </a:r>
-            <a:r>
-              <a:rPr lang="en-US" altLang="ja-JP" sz="1000" dirty="0" smtClean="0">
+              <a:t>mfc1: murasaki_function_crafting2</a:t>
+            </a:r>
+          </a:p>
+          <a:p>
+            <a:r>
+              <a:rPr lang="en-US" altLang="ja-JP" sz="1000" dirty="0" err="1">
                 <a:solidFill>
                   <a:srgbClr val="0070C0"/>
                 </a:solidFill>
                 <a:latin typeface="Arial" panose="020B0604020202020204" pitchFamily="34" charset="0"/>
                 <a:cs typeface="Arial" panose="020B0604020202020204" pitchFamily="34" charset="0"/>
               </a:rPr>
-              <a:t>murasaki_function_crafting2</a:t>
-            </a:r>
-          </a:p>
-          <a:p>
-            <a:r>
-              <a:rPr lang="en-US" altLang="ja-JP" sz="1000" dirty="0" err="1" smtClean="0">
+              <a:t>mfn</a:t>
+            </a:r>
+            <a:r>
+              <a:rPr lang="en-US" altLang="ja-JP" sz="1000" dirty="0">
                 <a:solidFill>
                   <a:srgbClr val="0070C0"/>
                 </a:solidFill>
                 <a:latin typeface="Arial" panose="020B0604020202020204" pitchFamily="34" charset="0"/>
                 <a:cs typeface="Arial" panose="020B0604020202020204" pitchFamily="34" charset="0"/>
               </a:rPr>
-              <a:t>mfn</a:t>
-            </a:r>
-            <a:r>
-              <a:rPr lang="en-US" altLang="ja-JP" sz="1000" dirty="0" smtClean="0">
+              <a:t>: </a:t>
+            </a:r>
+            <a:r>
+              <a:rPr lang="en-US" altLang="ja-JP" sz="1000" dirty="0" err="1">
                 <a:solidFill>
                   <a:srgbClr val="0070C0"/>
                 </a:solidFill>
                 <a:latin typeface="Arial" panose="020B0604020202020204" pitchFamily="34" charset="0"/>
                 <a:cs typeface="Arial" panose="020B0604020202020204" pitchFamily="34" charset="0"/>
               </a:rPr>
-              <a:t>: </a:t>
-            </a:r>
-            <a:r>
-              <a:rPr lang="en-US" altLang="ja-JP" sz="1000" dirty="0" err="1" smtClean="0">
-                <a:solidFill>
-                  <a:srgbClr val="0070C0"/>
-                </a:solidFill>
-                <a:latin typeface="Arial" panose="020B0604020202020204" pitchFamily="34" charset="0"/>
-                <a:cs typeface="Arial" panose="020B0604020202020204" pitchFamily="34" charset="0"/>
-              </a:rPr>
               <a:t>murasaki_function_name</a:t>
             </a:r>
-            <a:endParaRPr lang="en-US" altLang="ja-JP" sz="1000" dirty="0" smtClean="0">
+            <a:endParaRPr lang="en-US" altLang="ja-JP" sz="1000" dirty="0">
               <a:solidFill>
                 <a:srgbClr val="0070C0"/>
               </a:solidFill>
@@ -5782,7 +5738,7 @@
           <a:lstStyle/>
           <a:p>
             <a:r>
-              <a:rPr lang="en-US" altLang="ja-JP" sz="1000" dirty="0" err="1" smtClean="0">
+              <a:rPr lang="en-US" altLang="ja-JP" sz="1000" dirty="0" err="1">
                 <a:solidFill>
                   <a:schemeClr val="accent6">
                     <a:lumMod val="75000"/>
@@ -5794,7 +5750,7 @@
               <a:t>mss</a:t>
             </a:r>
             <a:r>
-              <a:rPr lang="en-US" altLang="ja-JP" sz="1000" dirty="0" smtClean="0">
+              <a:rPr lang="en-US" altLang="ja-JP" sz="1000" dirty="0">
                 <a:solidFill>
                   <a:schemeClr val="accent6">
                     <a:lumMod val="75000"/>
@@ -5806,7 +5762,7 @@
               <a:t>: </a:t>
             </a:r>
             <a:r>
-              <a:rPr lang="en-US" altLang="ja-JP" sz="1000" dirty="0" err="1" smtClean="0">
+              <a:rPr lang="en-US" altLang="ja-JP" sz="1000" dirty="0" err="1">
                 <a:solidFill>
                   <a:schemeClr val="accent6">
                     <a:lumMod val="75000"/>
@@ -5817,7 +5773,7 @@
               </a:rPr>
               <a:t>murasaki_storage_score</a:t>
             </a:r>
-            <a:endParaRPr lang="en-US" altLang="ja-JP" sz="1000" dirty="0" smtClean="0">
+            <a:endParaRPr lang="en-US" altLang="ja-JP" sz="1000" dirty="0">
               <a:solidFill>
                 <a:schemeClr val="accent6">
                   <a:lumMod val="75000"/>
@@ -5829,7 +5785,7 @@
           </a:p>
           <a:p>
             <a:r>
-              <a:rPr lang="en-US" altLang="ja-JP" sz="1000" dirty="0" err="1" smtClean="0">
+              <a:rPr lang="en-US" altLang="ja-JP" sz="1000" dirty="0" err="1">
                 <a:solidFill>
                   <a:schemeClr val="accent6">
                     <a:lumMod val="75000"/>
@@ -5841,7 +5797,7 @@
               <a:t>ms</a:t>
             </a:r>
             <a:r>
-              <a:rPr lang="en-US" altLang="ja-JP" sz="1000" dirty="0" smtClean="0">
+              <a:rPr lang="en-US" altLang="ja-JP" sz="1000" dirty="0">
                 <a:solidFill>
                   <a:schemeClr val="accent6">
                     <a:lumMod val="75000"/>
@@ -5853,7 +5809,7 @@
               <a:t>: </a:t>
             </a:r>
             <a:r>
-              <a:rPr lang="en-US" altLang="ja-JP" sz="1000" dirty="0" err="1" smtClean="0">
+              <a:rPr lang="en-US" altLang="ja-JP" sz="1000" dirty="0" err="1">
                 <a:solidFill>
                   <a:schemeClr val="accent6">
                     <a:lumMod val="75000"/>
@@ -5864,7 +5820,7 @@
               </a:rPr>
               <a:t>murasaki_storage</a:t>
             </a:r>
-            <a:endParaRPr lang="en-US" altLang="ja-JP" sz="1000" dirty="0" smtClean="0">
+            <a:endParaRPr lang="en-US" altLang="ja-JP" sz="1000" dirty="0">
               <a:solidFill>
                 <a:schemeClr val="accent6">
                   <a:lumMod val="75000"/>
@@ -5876,7 +5832,7 @@
           </a:p>
           <a:p>
             <a:r>
-              <a:rPr lang="en-US" altLang="ja-JP" sz="1000" dirty="0" smtClean="0">
+              <a:rPr lang="en-US" altLang="ja-JP" sz="1000" dirty="0">
                 <a:solidFill>
                   <a:schemeClr val="accent6">
                     <a:lumMod val="75000"/>
@@ -5888,7 +5844,7 @@
               <a:t>msn: </a:t>
             </a:r>
             <a:r>
-              <a:rPr lang="en-US" altLang="ja-JP" sz="1000" dirty="0" err="1" smtClean="0">
+              <a:rPr lang="en-US" altLang="ja-JP" sz="1000" dirty="0" err="1">
                 <a:solidFill>
                   <a:schemeClr val="accent6">
                     <a:lumMod val="75000"/>
@@ -5899,7 +5855,7 @@
               </a:rPr>
               <a:t>murasaki_storage_nui</a:t>
             </a:r>
-            <a:endParaRPr lang="en-US" altLang="ja-JP" sz="1000" dirty="0" smtClean="0">
+            <a:endParaRPr lang="en-US" altLang="ja-JP" sz="1000" dirty="0">
               <a:solidFill>
                 <a:schemeClr val="accent6">
                   <a:lumMod val="75000"/>
@@ -5934,7 +5890,7 @@
           <a:lstStyle/>
           <a:p>
             <a:r>
-              <a:rPr lang="en-US" altLang="ja-JP" sz="1000" dirty="0" smtClean="0">
+              <a:rPr lang="en-US" altLang="ja-JP" sz="1000" dirty="0">
                 <a:solidFill>
                   <a:schemeClr val="accent4">
                     <a:lumMod val="75000"/>
@@ -5946,7 +5902,7 @@
               <a:t>mm: </a:t>
             </a:r>
             <a:r>
-              <a:rPr lang="en-US" altLang="ja-JP" sz="1000" dirty="0" err="1" smtClean="0">
+              <a:rPr lang="en-US" altLang="ja-JP" sz="1000" dirty="0" err="1">
                 <a:solidFill>
                   <a:schemeClr val="accent4">
                     <a:lumMod val="75000"/>
@@ -5957,7 +5913,7 @@
               </a:rPr>
               <a:t>murasaki_main</a:t>
             </a:r>
-            <a:endParaRPr lang="en-US" altLang="ja-JP" sz="1000" dirty="0" smtClean="0">
+            <a:endParaRPr lang="en-US" altLang="ja-JP" sz="1000" dirty="0">
               <a:solidFill>
                 <a:schemeClr val="accent4">
                   <a:lumMod val="75000"/>
@@ -5969,7 +5925,7 @@
           </a:p>
           <a:p>
             <a:r>
-              <a:rPr lang="en-US" altLang="ja-JP" sz="1000" dirty="0" smtClean="0">
+              <a:rPr lang="en-US" altLang="ja-JP" sz="1000" dirty="0">
                 <a:solidFill>
                   <a:schemeClr val="accent4">
                     <a:lumMod val="75000"/>
@@ -5981,7 +5937,7 @@
               <a:t>mc: </a:t>
             </a:r>
             <a:r>
-              <a:rPr lang="en-US" altLang="ja-JP" sz="1000" dirty="0" err="1" smtClean="0">
+              <a:rPr lang="en-US" altLang="ja-JP" sz="1000" dirty="0" err="1">
                 <a:solidFill>
                   <a:schemeClr val="accent4">
                     <a:lumMod val="75000"/>
@@ -5992,7 +5948,7 @@
               </a:rPr>
               <a:t>murasaki_craft</a:t>
             </a:r>
-            <a:endParaRPr lang="en-US" altLang="ja-JP" sz="1000" dirty="0" smtClean="0">
+            <a:endParaRPr lang="en-US" altLang="ja-JP" sz="1000" dirty="0">
               <a:solidFill>
                 <a:schemeClr val="accent4">
                   <a:lumMod val="75000"/>
@@ -6004,7 +5960,7 @@
           </a:p>
           <a:p>
             <a:r>
-              <a:rPr lang="en-US" altLang="ja-JP" sz="1000" dirty="0" err="1" smtClean="0">
+              <a:rPr lang="en-US" altLang="ja-JP" sz="1000" dirty="0" err="1">
                 <a:solidFill>
                   <a:schemeClr val="accent4">
                     <a:lumMod val="75000"/>
@@ -6016,7 +5972,7 @@
               <a:t>mn</a:t>
             </a:r>
             <a:r>
-              <a:rPr lang="en-US" altLang="ja-JP" sz="1000" dirty="0" smtClean="0">
+              <a:rPr lang="en-US" altLang="ja-JP" sz="1000" dirty="0">
                 <a:solidFill>
                   <a:schemeClr val="accent4">
                     <a:lumMod val="75000"/>
@@ -6028,7 +5984,7 @@
               <a:t>: </a:t>
             </a:r>
             <a:r>
-              <a:rPr lang="en-US" altLang="ja-JP" sz="1000" dirty="0" err="1" smtClean="0">
+              <a:rPr lang="en-US" altLang="ja-JP" sz="1000" dirty="0" err="1">
                 <a:solidFill>
                   <a:schemeClr val="accent4">
                     <a:lumMod val="75000"/>
@@ -6039,7 +5995,7 @@
               </a:rPr>
               <a:t>murasaki_name</a:t>
             </a:r>
-            <a:endParaRPr lang="en-US" altLang="ja-JP" sz="1000" dirty="0" smtClean="0">
+            <a:endParaRPr lang="en-US" altLang="ja-JP" sz="1000" dirty="0">
               <a:solidFill>
                 <a:schemeClr val="accent4">
                   <a:lumMod val="75000"/>
@@ -6089,7 +6045,7 @@
           <a:p>
             <a:pPr algn="ctr"/>
             <a:r>
-              <a:rPr kumimoji="1" lang="en-US" altLang="ja-JP" sz="1400" dirty="0" err="1" smtClean="0">
+              <a:rPr kumimoji="1" lang="en-US" altLang="ja-JP" sz="1400" dirty="0" err="1">
                 <a:latin typeface="Arial" panose="020B0604020202020204" pitchFamily="34" charset="0"/>
                 <a:cs typeface="Arial" panose="020B0604020202020204" pitchFamily="34" charset="0"/>
               </a:rPr>
@@ -6140,7 +6096,7 @@
           <a:p>
             <a:pPr algn="ctr"/>
             <a:r>
-              <a:rPr kumimoji="1" lang="en-US" altLang="ja-JP" sz="1400" dirty="0" err="1" smtClean="0">
+              <a:rPr kumimoji="1" lang="en-US" altLang="ja-JP" sz="1400" dirty="0" err="1">
                 <a:latin typeface="Arial" panose="020B0604020202020204" pitchFamily="34" charset="0"/>
                 <a:cs typeface="Arial" panose="020B0604020202020204" pitchFamily="34" charset="0"/>
               </a:rPr>
@@ -6191,7 +6147,7 @@
           <a:p>
             <a:pPr algn="ctr"/>
             <a:r>
-              <a:rPr kumimoji="1" lang="en-US" altLang="ja-JP" sz="1400" dirty="0" err="1" smtClean="0">
+              <a:rPr kumimoji="1" lang="en-US" altLang="ja-JP" sz="1400" dirty="0" err="1">
                 <a:latin typeface="Arial" panose="020B0604020202020204" pitchFamily="34" charset="0"/>
                 <a:cs typeface="Arial" panose="020B0604020202020204" pitchFamily="34" charset="0"/>
               </a:rPr>
@@ -6242,7 +6198,7 @@
           <a:p>
             <a:pPr algn="ctr"/>
             <a:r>
-              <a:rPr kumimoji="1" lang="en-US" altLang="ja-JP" sz="1400" dirty="0" err="1" smtClean="0">
+              <a:rPr kumimoji="1" lang="en-US" altLang="ja-JP" sz="1400" dirty="0" err="1">
                 <a:latin typeface="Arial" panose="020B0604020202020204" pitchFamily="34" charset="0"/>
                 <a:cs typeface="Arial" panose="020B0604020202020204" pitchFamily="34" charset="0"/>
               </a:rPr>
@@ -6293,7 +6249,7 @@
           <a:p>
             <a:pPr algn="ctr"/>
             <a:r>
-              <a:rPr kumimoji="1" lang="en-US" altLang="ja-JP" sz="1400" dirty="0" smtClean="0">
+              <a:rPr kumimoji="1" lang="en-US" altLang="ja-JP" sz="1400" dirty="0">
                 <a:latin typeface="Arial" panose="020B0604020202020204" pitchFamily="34" charset="0"/>
                 <a:cs typeface="Arial" panose="020B0604020202020204" pitchFamily="34" charset="0"/>
               </a:rPr>
@@ -6344,7 +6300,7 @@
           <a:p>
             <a:pPr algn="ctr"/>
             <a:r>
-              <a:rPr kumimoji="1" lang="en-US" altLang="ja-JP" sz="1400" dirty="0" smtClean="0">
+              <a:rPr kumimoji="1" lang="en-US" altLang="ja-JP" sz="1400" dirty="0">
                 <a:latin typeface="Arial" panose="020B0604020202020204" pitchFamily="34" charset="0"/>
                 <a:cs typeface="Arial" panose="020B0604020202020204" pitchFamily="34" charset="0"/>
               </a:rPr>
@@ -6395,7 +6351,7 @@
           <a:p>
             <a:pPr algn="ctr"/>
             <a:r>
-              <a:rPr kumimoji="1" lang="en-US" altLang="ja-JP" sz="1400" dirty="0" err="1" smtClean="0">
+              <a:rPr kumimoji="1" lang="en-US" altLang="ja-JP" sz="1400" dirty="0" err="1">
                 <a:latin typeface="Arial" panose="020B0604020202020204" pitchFamily="34" charset="0"/>
                 <a:cs typeface="Arial" panose="020B0604020202020204" pitchFamily="34" charset="0"/>
               </a:rPr>
@@ -6446,7 +6402,7 @@
           <a:p>
             <a:pPr algn="ctr"/>
             <a:r>
-              <a:rPr kumimoji="1" lang="en-US" altLang="ja-JP" sz="1400" dirty="0" err="1" smtClean="0">
+              <a:rPr kumimoji="1" lang="en-US" altLang="ja-JP" sz="1400" dirty="0" err="1">
                 <a:latin typeface="Arial" panose="020B0604020202020204" pitchFamily="34" charset="0"/>
                 <a:cs typeface="Arial" panose="020B0604020202020204" pitchFamily="34" charset="0"/>
               </a:rPr>
@@ -6497,7 +6453,7 @@
           <a:p>
             <a:pPr algn="ctr"/>
             <a:r>
-              <a:rPr lang="en-US" altLang="ja-JP" sz="1400" dirty="0" err="1" smtClean="0">
+              <a:rPr lang="en-US" altLang="ja-JP" sz="1400" dirty="0" err="1">
                 <a:latin typeface="Arial" panose="020B0604020202020204" pitchFamily="34" charset="0"/>
                 <a:cs typeface="Arial" panose="020B0604020202020204" pitchFamily="34" charset="0"/>
               </a:rPr>
@@ -6548,7 +6504,7 @@
           <a:p>
             <a:pPr algn="ctr"/>
             <a:r>
-              <a:rPr lang="en-US" altLang="ja-JP" sz="1400" dirty="0" err="1" smtClean="0">
+              <a:rPr lang="en-US" altLang="ja-JP" sz="1400" dirty="0" err="1">
                 <a:latin typeface="Arial" panose="020B0604020202020204" pitchFamily="34" charset="0"/>
                 <a:cs typeface="Arial" panose="020B0604020202020204" pitchFamily="34" charset="0"/>
               </a:rPr>
@@ -6599,7 +6555,7 @@
           <a:p>
             <a:pPr algn="ctr"/>
             <a:r>
-              <a:rPr lang="en-US" altLang="ja-JP" sz="1400" dirty="0" smtClean="0">
+              <a:rPr lang="en-US" altLang="ja-JP" sz="1400" dirty="0">
                 <a:latin typeface="Arial" panose="020B0604020202020204" pitchFamily="34" charset="0"/>
                 <a:cs typeface="Arial" panose="020B0604020202020204" pitchFamily="34" charset="0"/>
               </a:rPr>
@@ -6622,13 +6578,6 @@
   <p:clrMapOvr>
     <a:masterClrMapping/>
   </p:clrMapOvr>
-  <p:timing>
-    <p:tnLst>
-      <p:par>
-        <p:cTn id="1" dur="indefinite" restart="never" nodeType="tmRoot"/>
-      </p:par>
-    </p:tnLst>
-  </p:timing>
 </p:sld>
 </file>
 
@@ -6672,92 +6621,88 @@
           <a:lstStyle/>
           <a:p>
             <a:r>
-              <a:rPr kumimoji="1" lang="ja-JP" altLang="en-US" dirty="0" smtClean="0"/>
+              <a:rPr kumimoji="1" lang="ja-JP" altLang="en-US" dirty="0"/>
               <a:t>初期読み込み</a:t>
             </a:r>
-            <a:endParaRPr kumimoji="1" lang="en-US" altLang="ja-JP" dirty="0" smtClean="0"/>
-          </a:p>
-          <a:p>
-            <a:r>
-              <a:rPr lang="ja-JP" altLang="en-US" dirty="0" smtClean="0"/>
-              <a:t>・</a:t>
-            </a:r>
-            <a:r>
-              <a:rPr lang="en-US" altLang="ja-JP" dirty="0" smtClean="0"/>
-              <a:t>id</a:t>
-            </a:r>
-          </a:p>
-          <a:p>
-            <a:r>
-              <a:rPr lang="ja-JP" altLang="en-US" dirty="0" smtClean="0"/>
-              <a:t>・</a:t>
-            </a:r>
-            <a:r>
-              <a:rPr lang="en-US" altLang="ja-JP" dirty="0" err="1" smtClean="0"/>
-              <a:t>mn</a:t>
-            </a:r>
-            <a:endParaRPr lang="en-US" altLang="ja-JP" dirty="0" smtClean="0"/>
-          </a:p>
-          <a:p>
-            <a:r>
-              <a:rPr lang="ja-JP" altLang="en-US" dirty="0" smtClean="0"/>
-              <a:t>・</a:t>
-            </a:r>
-            <a:r>
-              <a:rPr lang="en-US" altLang="ja-JP" dirty="0" smtClean="0"/>
-              <a:t>items</a:t>
-            </a:r>
-          </a:p>
-          <a:p>
-            <a:r>
-              <a:rPr lang="ja-JP" altLang="en-US" dirty="0" smtClean="0"/>
-              <a:t>・</a:t>
-            </a:r>
-            <a:r>
-              <a:rPr lang="en-US" altLang="ja-JP" dirty="0" smtClean="0"/>
-              <a:t>status</a:t>
-            </a:r>
-          </a:p>
-          <a:p>
-            <a:endParaRPr lang="en-US" altLang="ja-JP" dirty="0" smtClean="0"/>
-          </a:p>
-          <a:p>
-            <a:r>
-              <a:rPr lang="ja-JP" altLang="en-US" dirty="0"/>
-              <a:t>経</a:t>
-            </a:r>
-            <a:r>
-              <a:rPr lang="ja-JP" altLang="en-US" dirty="0" smtClean="0"/>
-              <a:t>時的読み込み</a:t>
-            </a:r>
-            <a:endParaRPr lang="en-US" altLang="ja-JP" dirty="0" smtClean="0"/>
-          </a:p>
-          <a:p>
-            <a:r>
-              <a:rPr lang="ja-JP" altLang="en-US" dirty="0" smtClean="0"/>
-              <a:t>・</a:t>
-            </a:r>
-            <a:r>
-              <a:rPr lang="en-US" altLang="ja-JP" dirty="0" smtClean="0"/>
-              <a:t>status</a:t>
-            </a:r>
-          </a:p>
-          <a:p>
-            <a:r>
-              <a:rPr lang="ja-JP" altLang="en-US" dirty="0" smtClean="0"/>
-              <a:t>・</a:t>
-            </a:r>
-            <a:r>
-              <a:rPr lang="en-US" altLang="ja-JP" dirty="0" smtClean="0"/>
-              <a:t>working parameter</a:t>
-            </a:r>
+            <a:endParaRPr kumimoji="1" lang="en-US" altLang="ja-JP" dirty="0"/>
           </a:p>
           <a:p>
             <a:r>
               <a:rPr lang="ja-JP" altLang="en-US" dirty="0"/>
               <a:t>・</a:t>
             </a:r>
-            <a:endParaRPr lang="en-US" altLang="ja-JP" dirty="0" smtClean="0"/>
+            <a:r>
+              <a:rPr lang="en-US" altLang="ja-JP" dirty="0"/>
+              <a:t>id</a:t>
+            </a:r>
+          </a:p>
+          <a:p>
+            <a:r>
+              <a:rPr lang="ja-JP" altLang="en-US" dirty="0"/>
+              <a:t>・</a:t>
+            </a:r>
+            <a:r>
+              <a:rPr lang="en-US" altLang="ja-JP" dirty="0" err="1"/>
+              <a:t>mn</a:t>
+            </a:r>
+            <a:endParaRPr lang="en-US" altLang="ja-JP" dirty="0"/>
+          </a:p>
+          <a:p>
+            <a:r>
+              <a:rPr lang="ja-JP" altLang="en-US" dirty="0"/>
+              <a:t>・</a:t>
+            </a:r>
+            <a:r>
+              <a:rPr lang="en-US" altLang="ja-JP" dirty="0"/>
+              <a:t>items</a:t>
+            </a:r>
+          </a:p>
+          <a:p>
+            <a:r>
+              <a:rPr lang="ja-JP" altLang="en-US" dirty="0"/>
+              <a:t>・</a:t>
+            </a:r>
+            <a:r>
+              <a:rPr lang="en-US" altLang="ja-JP" dirty="0"/>
+              <a:t>status</a:t>
+            </a:r>
+          </a:p>
+          <a:p>
+            <a:endParaRPr lang="en-US" altLang="ja-JP" dirty="0"/>
+          </a:p>
+          <a:p>
+            <a:r>
+              <a:rPr lang="ja-JP" altLang="en-US" dirty="0"/>
+              <a:t>経時的読み込み</a:t>
+            </a:r>
+            <a:endParaRPr lang="en-US" altLang="ja-JP" dirty="0"/>
+          </a:p>
+          <a:p>
+            <a:r>
+              <a:rPr lang="ja-JP" altLang="en-US" dirty="0"/>
+              <a:t>・</a:t>
+            </a:r>
+            <a:r>
+              <a:rPr lang="en-US" altLang="ja-JP" dirty="0"/>
+              <a:t>status</a:t>
+            </a:r>
+          </a:p>
+          <a:p>
+            <a:r>
+              <a:rPr lang="ja-JP" altLang="en-US" dirty="0"/>
+              <a:t>・</a:t>
+            </a:r>
+            <a:r>
+              <a:rPr lang="en-US" altLang="ja-JP" dirty="0"/>
+              <a:t>working parameter</a:t>
+            </a:r>
+          </a:p>
+          <a:p>
+            <a:r>
+              <a:rPr lang="ja-JP" altLang="en-US" dirty="0"/>
+              <a:t>・</a:t>
+            </a:r>
+            <a:endParaRPr lang="en-US" altLang="ja-JP" dirty="0"/>
           </a:p>
         </p:txBody>
       </p:sp>
@@ -6771,13 +6716,6 @@
   <p:clrMapOvr>
     <a:masterClrMapping/>
   </p:clrMapOvr>
-  <p:timing>
-    <p:tnLst>
-      <p:par>
-        <p:cTn id="1" dur="indefinite" restart="never" nodeType="tmRoot"/>
-      </p:par>
-    </p:tnLst>
-  </p:timing>
 </p:sld>
 </file>
 
@@ -6808,13 +6746,6 @@
   <p:clrMapOvr>
     <a:masterClrMapping/>
   </p:clrMapOvr>
-  <p:timing>
-    <p:tnLst>
-      <p:par>
-        <p:cTn id="1" dur="indefinite" restart="never" nodeType="tmRoot"/>
-      </p:par>
-    </p:tnLst>
-  </p:timing>
 </p:sld>
 </file>
 

--- a/etc/contract_map.pptx
+++ b/etc/contract_map.pptx
@@ -245,7 +245,7 @@
           <a:p>
             <a:fld id="{A8E0094F-F4DA-4A3B-B8F6-999563D6DF4F}" type="datetimeFigureOut">
               <a:rPr kumimoji="1" lang="ja-JP" altLang="en-US" smtClean="0"/>
-              <a:t>2022/6/5</a:t>
+              <a:t>2022/8/2</a:t>
             </a:fld>
             <a:endParaRPr kumimoji="1" lang="ja-JP" altLang="en-US"/>
           </a:p>
@@ -447,7 +447,7 @@
           <a:p>
             <a:fld id="{A8E0094F-F4DA-4A3B-B8F6-999563D6DF4F}" type="datetimeFigureOut">
               <a:rPr kumimoji="1" lang="ja-JP" altLang="en-US" smtClean="0"/>
-              <a:t>2022/6/5</a:t>
+              <a:t>2022/8/2</a:t>
             </a:fld>
             <a:endParaRPr kumimoji="1" lang="ja-JP" altLang="en-US"/>
           </a:p>
@@ -659,7 +659,7 @@
           <a:p>
             <a:fld id="{A8E0094F-F4DA-4A3B-B8F6-999563D6DF4F}" type="datetimeFigureOut">
               <a:rPr kumimoji="1" lang="ja-JP" altLang="en-US" smtClean="0"/>
-              <a:t>2022/6/5</a:t>
+              <a:t>2022/8/2</a:t>
             </a:fld>
             <a:endParaRPr kumimoji="1" lang="ja-JP" altLang="en-US"/>
           </a:p>
@@ -861,7 +861,7 @@
           <a:p>
             <a:fld id="{A8E0094F-F4DA-4A3B-B8F6-999563D6DF4F}" type="datetimeFigureOut">
               <a:rPr kumimoji="1" lang="ja-JP" altLang="en-US" smtClean="0"/>
-              <a:t>2022/6/5</a:t>
+              <a:t>2022/8/2</a:t>
             </a:fld>
             <a:endParaRPr kumimoji="1" lang="ja-JP" altLang="en-US"/>
           </a:p>
@@ -1105,7 +1105,7 @@
           <a:p>
             <a:fld id="{A8E0094F-F4DA-4A3B-B8F6-999563D6DF4F}" type="datetimeFigureOut">
               <a:rPr kumimoji="1" lang="ja-JP" altLang="en-US" smtClean="0"/>
-              <a:t>2022/6/5</a:t>
+              <a:t>2022/8/2</a:t>
             </a:fld>
             <a:endParaRPr kumimoji="1" lang="ja-JP" altLang="en-US"/>
           </a:p>
@@ -1401,7 +1401,7 @@
           <a:p>
             <a:fld id="{A8E0094F-F4DA-4A3B-B8F6-999563D6DF4F}" type="datetimeFigureOut">
               <a:rPr kumimoji="1" lang="ja-JP" altLang="en-US" smtClean="0"/>
-              <a:t>2022/6/5</a:t>
+              <a:t>2022/8/2</a:t>
             </a:fld>
             <a:endParaRPr kumimoji="1" lang="ja-JP" altLang="en-US"/>
           </a:p>
@@ -1832,7 +1832,7 @@
           <a:p>
             <a:fld id="{A8E0094F-F4DA-4A3B-B8F6-999563D6DF4F}" type="datetimeFigureOut">
               <a:rPr kumimoji="1" lang="ja-JP" altLang="en-US" smtClean="0"/>
-              <a:t>2022/6/5</a:t>
+              <a:t>2022/8/2</a:t>
             </a:fld>
             <a:endParaRPr kumimoji="1" lang="ja-JP" altLang="en-US"/>
           </a:p>
@@ -1950,7 +1950,7 @@
           <a:p>
             <a:fld id="{A8E0094F-F4DA-4A3B-B8F6-999563D6DF4F}" type="datetimeFigureOut">
               <a:rPr kumimoji="1" lang="ja-JP" altLang="en-US" smtClean="0"/>
-              <a:t>2022/6/5</a:t>
+              <a:t>2022/8/2</a:t>
             </a:fld>
             <a:endParaRPr kumimoji="1" lang="ja-JP" altLang="en-US"/>
           </a:p>
@@ -2045,7 +2045,7 @@
           <a:p>
             <a:fld id="{A8E0094F-F4DA-4A3B-B8F6-999563D6DF4F}" type="datetimeFigureOut">
               <a:rPr kumimoji="1" lang="ja-JP" altLang="en-US" smtClean="0"/>
-              <a:t>2022/6/5</a:t>
+              <a:t>2022/8/2</a:t>
             </a:fld>
             <a:endParaRPr kumimoji="1" lang="ja-JP" altLang="en-US"/>
           </a:p>
@@ -2354,7 +2354,7 @@
           <a:p>
             <a:fld id="{A8E0094F-F4DA-4A3B-B8F6-999563D6DF4F}" type="datetimeFigureOut">
               <a:rPr kumimoji="1" lang="ja-JP" altLang="en-US" smtClean="0"/>
-              <a:t>2022/6/5</a:t>
+              <a:t>2022/8/2</a:t>
             </a:fld>
             <a:endParaRPr kumimoji="1" lang="ja-JP" altLang="en-US"/>
           </a:p>
@@ -2611,7 +2611,7 @@
           <a:p>
             <a:fld id="{A8E0094F-F4DA-4A3B-B8F6-999563D6DF4F}" type="datetimeFigureOut">
               <a:rPr kumimoji="1" lang="ja-JP" altLang="en-US" smtClean="0"/>
-              <a:t>2022/6/5</a:t>
+              <a:t>2022/8/2</a:t>
             </a:fld>
             <a:endParaRPr kumimoji="1" lang="ja-JP" altLang="en-US"/>
           </a:p>
@@ -2856,7 +2856,7 @@
           <a:p>
             <a:fld id="{A8E0094F-F4DA-4A3B-B8F6-999563D6DF4F}" type="datetimeFigureOut">
               <a:rPr kumimoji="1" lang="ja-JP" altLang="en-US" smtClean="0"/>
-              <a:t>2022/6/5</a:t>
+              <a:t>2022/8/2</a:t>
             </a:fld>
             <a:endParaRPr kumimoji="1" lang="ja-JP" altLang="en-US"/>
           </a:p>
@@ -3269,7 +3269,7 @@
         </p:nvSpPr>
         <p:spPr>
           <a:xfrm>
-            <a:off x="3673944" y="3933774"/>
+            <a:off x="3437180" y="3933774"/>
             <a:ext cx="579664" cy="375557"/>
           </a:xfrm>
           <a:prstGeom prst="rect">
@@ -3320,7 +3320,7 @@
         </p:nvSpPr>
         <p:spPr>
           <a:xfrm>
-            <a:off x="4703926" y="3933774"/>
+            <a:off x="4467162" y="3933774"/>
             <a:ext cx="579664" cy="375557"/>
           </a:xfrm>
           <a:prstGeom prst="rect">
@@ -3376,7 +3376,7 @@
         </p:nvSpPr>
         <p:spPr>
           <a:xfrm>
-            <a:off x="5659429" y="3933774"/>
+            <a:off x="5422665" y="3933774"/>
             <a:ext cx="579664" cy="375557"/>
           </a:xfrm>
           <a:prstGeom prst="rect">
@@ -3430,7 +3430,7 @@
         </p:nvCxnSpPr>
         <p:spPr>
           <a:xfrm flipH="1">
-            <a:off x="3140178" y="2242275"/>
+            <a:off x="2903414" y="2242275"/>
             <a:ext cx="93495" cy="971518"/>
           </a:xfrm>
           <a:prstGeom prst="straightConnector1">
@@ -3466,7 +3466,7 @@
         </p:nvCxnSpPr>
         <p:spPr>
           <a:xfrm>
-            <a:off x="1280849" y="2242275"/>
+            <a:off x="1044085" y="2242275"/>
             <a:ext cx="1859329" cy="971518"/>
           </a:xfrm>
           <a:prstGeom prst="straightConnector1">
@@ -3502,7 +3502,7 @@
         </p:nvCxnSpPr>
         <p:spPr>
           <a:xfrm>
-            <a:off x="2258522" y="2242275"/>
+            <a:off x="2021758" y="2242275"/>
             <a:ext cx="881656" cy="971518"/>
           </a:xfrm>
           <a:prstGeom prst="straightConnector1">
@@ -3538,7 +3538,7 @@
         </p:nvCxnSpPr>
         <p:spPr>
           <a:xfrm flipH="1">
-            <a:off x="3140178" y="2242275"/>
+            <a:off x="2903414" y="2242275"/>
             <a:ext cx="1231361" cy="971518"/>
           </a:xfrm>
           <a:prstGeom prst="straightConnector1">
@@ -3574,7 +3574,7 @@
         </p:nvCxnSpPr>
         <p:spPr>
           <a:xfrm flipH="1">
-            <a:off x="3140178" y="2242275"/>
+            <a:off x="2903414" y="2242275"/>
             <a:ext cx="2175273" cy="971518"/>
           </a:xfrm>
           <a:prstGeom prst="straightConnector1">
@@ -3610,7 +3610,7 @@
         </p:nvCxnSpPr>
         <p:spPr>
           <a:xfrm>
-            <a:off x="1280849" y="2242275"/>
+            <a:off x="1044085" y="2242275"/>
             <a:ext cx="953595" cy="971518"/>
           </a:xfrm>
           <a:prstGeom prst="straightConnector1">
@@ -3646,7 +3646,7 @@
         </p:nvCxnSpPr>
         <p:spPr>
           <a:xfrm flipH="1">
-            <a:off x="2234444" y="2242275"/>
+            <a:off x="1997680" y="2242275"/>
             <a:ext cx="24078" cy="971518"/>
           </a:xfrm>
           <a:prstGeom prst="straightConnector1">
@@ -3682,7 +3682,7 @@
         </p:nvCxnSpPr>
         <p:spPr>
           <a:xfrm flipH="1">
-            <a:off x="4281715" y="2242275"/>
+            <a:off x="4044951" y="2242275"/>
             <a:ext cx="1033736" cy="971518"/>
           </a:xfrm>
           <a:prstGeom prst="straightConnector1">
@@ -3718,7 +3718,7 @@
         </p:nvCxnSpPr>
         <p:spPr>
           <a:xfrm flipH="1">
-            <a:off x="3140178" y="2242275"/>
+            <a:off x="2903414" y="2242275"/>
             <a:ext cx="1231361" cy="971518"/>
           </a:xfrm>
           <a:prstGeom prst="straightConnector1">
@@ -3754,7 +3754,7 @@
         </p:nvCxnSpPr>
         <p:spPr>
           <a:xfrm flipH="1">
-            <a:off x="2234444" y="2242275"/>
+            <a:off x="1997680" y="2242275"/>
             <a:ext cx="2137095" cy="971518"/>
           </a:xfrm>
           <a:prstGeom prst="straightConnector1">
@@ -3790,7 +3790,7 @@
         </p:nvCxnSpPr>
         <p:spPr>
           <a:xfrm flipH="1">
-            <a:off x="3140178" y="2242275"/>
+            <a:off x="2903414" y="2242275"/>
             <a:ext cx="2175273" cy="971518"/>
           </a:xfrm>
           <a:prstGeom prst="straightConnector1">
@@ -3826,7 +3826,7 @@
         </p:nvCxnSpPr>
         <p:spPr>
           <a:xfrm flipH="1">
-            <a:off x="2234444" y="2242275"/>
+            <a:off x="1997680" y="2242275"/>
             <a:ext cx="3081007" cy="971518"/>
           </a:xfrm>
           <a:prstGeom prst="straightConnector1">
@@ -3862,7 +3862,7 @@
         </p:nvCxnSpPr>
         <p:spPr>
           <a:xfrm>
-            <a:off x="3233673" y="2242275"/>
+            <a:off x="2996909" y="2242275"/>
             <a:ext cx="730103" cy="1691499"/>
           </a:xfrm>
           <a:prstGeom prst="straightConnector1">
@@ -3903,7 +3903,7 @@
         </p:nvCxnSpPr>
         <p:spPr>
           <a:xfrm flipH="1">
-            <a:off x="5949261" y="2242275"/>
+            <a:off x="5712497" y="2242275"/>
             <a:ext cx="527613" cy="1691499"/>
           </a:xfrm>
           <a:prstGeom prst="straightConnector1">
@@ -3944,7 +3944,7 @@
         </p:nvCxnSpPr>
         <p:spPr>
           <a:xfrm>
-            <a:off x="4371539" y="2242275"/>
+            <a:off x="4134775" y="2242275"/>
             <a:ext cx="622219" cy="1691499"/>
           </a:xfrm>
           <a:prstGeom prst="straightConnector1">
@@ -3985,7 +3985,7 @@
         </p:nvCxnSpPr>
         <p:spPr>
           <a:xfrm flipH="1">
-            <a:off x="4993758" y="2242275"/>
+            <a:off x="4756994" y="2242275"/>
             <a:ext cx="321693" cy="1691499"/>
           </a:xfrm>
           <a:prstGeom prst="straightConnector1">
@@ -4026,7 +4026,7 @@
         </p:nvCxnSpPr>
         <p:spPr>
           <a:xfrm flipV="1">
-            <a:off x="4371539" y="1072049"/>
+            <a:off x="4134775" y="1072049"/>
             <a:ext cx="416378" cy="753847"/>
           </a:xfrm>
           <a:prstGeom prst="straightConnector1">
@@ -4065,7 +4065,7 @@
         </p:nvCxnSpPr>
         <p:spPr>
           <a:xfrm flipH="1" flipV="1">
-            <a:off x="4787917" y="1072049"/>
+            <a:off x="4551153" y="1072049"/>
             <a:ext cx="527534" cy="753847"/>
           </a:xfrm>
           <a:prstGeom prst="straightConnector1">
@@ -4104,7 +4104,7 @@
         </p:nvCxnSpPr>
         <p:spPr>
           <a:xfrm flipH="1">
-            <a:off x="3140178" y="2242275"/>
+            <a:off x="2903414" y="2242275"/>
             <a:ext cx="3336696" cy="971518"/>
           </a:xfrm>
           <a:prstGeom prst="straightConnector1">
@@ -4140,7 +4140,7 @@
         </p:nvCxnSpPr>
         <p:spPr>
           <a:xfrm flipV="1">
-            <a:off x="1280849" y="1072049"/>
+            <a:off x="1044085" y="1072049"/>
             <a:ext cx="2000755" cy="753847"/>
           </a:xfrm>
           <a:prstGeom prst="straightConnector1">
@@ -4179,7 +4179,7 @@
         </p:nvCxnSpPr>
         <p:spPr>
           <a:xfrm flipV="1">
-            <a:off x="2258522" y="1072049"/>
+            <a:off x="2021758" y="1072049"/>
             <a:ext cx="1023082" cy="753847"/>
           </a:xfrm>
           <a:prstGeom prst="straightConnector1">
@@ -4218,7 +4218,7 @@
         </p:nvCxnSpPr>
         <p:spPr>
           <a:xfrm flipV="1">
-            <a:off x="3233673" y="1072049"/>
+            <a:off x="2996909" y="1072049"/>
             <a:ext cx="47931" cy="753847"/>
           </a:xfrm>
           <a:prstGeom prst="straightConnector1">
@@ -4257,7 +4257,7 @@
         </p:nvCxnSpPr>
         <p:spPr>
           <a:xfrm flipH="1" flipV="1">
-            <a:off x="3281604" y="1072049"/>
+            <a:off x="3044840" y="1072049"/>
             <a:ext cx="1089935" cy="753847"/>
           </a:xfrm>
           <a:prstGeom prst="straightConnector1">
@@ -4296,7 +4296,7 @@
         </p:nvCxnSpPr>
         <p:spPr>
           <a:xfrm flipH="1" flipV="1">
-            <a:off x="3281604" y="1072049"/>
+            <a:off x="3044840" y="1072049"/>
             <a:ext cx="2033847" cy="753847"/>
           </a:xfrm>
           <a:prstGeom prst="straightConnector1">
@@ -4335,7 +4335,7 @@
         </p:nvCxnSpPr>
         <p:spPr>
           <a:xfrm flipH="1" flipV="1">
-            <a:off x="3281604" y="1072049"/>
+            <a:off x="3044840" y="1072049"/>
             <a:ext cx="3195270" cy="753847"/>
           </a:xfrm>
           <a:prstGeom prst="straightConnector1">
@@ -4371,7 +4371,7 @@
         </p:nvSpPr>
         <p:spPr>
           <a:xfrm>
-            <a:off x="4523292" y="5013181"/>
+            <a:off x="4286528" y="5013181"/>
             <a:ext cx="940932" cy="367392"/>
           </a:xfrm>
           <a:prstGeom prst="rect">
@@ -4428,7 +4428,7 @@
         </p:nvCxnSpPr>
         <p:spPr>
           <a:xfrm flipV="1">
-            <a:off x="4993758" y="4309331"/>
+            <a:off x="4756994" y="4309331"/>
             <a:ext cx="0" cy="703850"/>
           </a:xfrm>
           <a:prstGeom prst="straightConnector1">
@@ -4467,7 +4467,7 @@
         </p:nvCxnSpPr>
         <p:spPr>
           <a:xfrm flipH="1" flipV="1">
-            <a:off x="3963776" y="4309331"/>
+            <a:off x="3727012" y="4309331"/>
             <a:ext cx="1029982" cy="703850"/>
           </a:xfrm>
           <a:prstGeom prst="straightConnector1">
@@ -4506,7 +4506,7 @@
         </p:nvCxnSpPr>
         <p:spPr>
           <a:xfrm flipV="1">
-            <a:off x="4993758" y="4309331"/>
+            <a:off x="4756994" y="4309331"/>
             <a:ext cx="955503" cy="703850"/>
           </a:xfrm>
           <a:prstGeom prst="straightConnector1">
@@ -4545,7 +4545,7 @@
         </p:nvCxnSpPr>
         <p:spPr>
           <a:xfrm flipH="1" flipV="1">
-            <a:off x="2234444" y="3580601"/>
+            <a:off x="1997680" y="3580601"/>
             <a:ext cx="1439500" cy="540952"/>
           </a:xfrm>
           <a:prstGeom prst="straightConnector1">
@@ -4584,7 +4584,7 @@
         </p:nvCxnSpPr>
         <p:spPr>
           <a:xfrm flipH="1" flipV="1">
-            <a:off x="3140178" y="3580601"/>
+            <a:off x="2903414" y="3580601"/>
             <a:ext cx="533766" cy="540952"/>
           </a:xfrm>
           <a:prstGeom prst="straightConnector1">
@@ -4623,7 +4623,7 @@
         </p:nvCxnSpPr>
         <p:spPr>
           <a:xfrm flipH="1" flipV="1">
-            <a:off x="4281715" y="3580601"/>
+            <a:off x="4044951" y="3580601"/>
             <a:ext cx="422211" cy="540952"/>
           </a:xfrm>
           <a:prstGeom prst="straightConnector1">
@@ -4659,7 +4659,7 @@
         </p:nvSpPr>
         <p:spPr>
           <a:xfrm>
-            <a:off x="5301731" y="650180"/>
+            <a:off x="5064967" y="650180"/>
             <a:ext cx="1295058" cy="400110"/>
           </a:xfrm>
           <a:prstGeom prst="rect">
@@ -4704,7 +4704,7 @@
         </p:nvSpPr>
         <p:spPr>
           <a:xfrm>
-            <a:off x="6931523" y="1834030"/>
+            <a:off x="6694759" y="1834030"/>
             <a:ext cx="1368542" cy="400110"/>
           </a:xfrm>
           <a:prstGeom prst="rect">
@@ -4749,7 +4749,7 @@
         </p:nvSpPr>
         <p:spPr>
           <a:xfrm>
-            <a:off x="236764" y="3197142"/>
+            <a:off x="0" y="3197142"/>
             <a:ext cx="1633495" cy="400110"/>
           </a:xfrm>
           <a:prstGeom prst="rect">
@@ -4796,7 +4796,7 @@
         </p:nvSpPr>
         <p:spPr>
           <a:xfrm>
-            <a:off x="6269108" y="3921497"/>
+            <a:off x="6032344" y="3921497"/>
             <a:ext cx="2197256" cy="400110"/>
           </a:xfrm>
           <a:prstGeom prst="rect">
@@ -4841,7 +4841,7 @@
         </p:nvSpPr>
         <p:spPr>
           <a:xfrm>
-            <a:off x="3419837" y="4301649"/>
+            <a:off x="3183073" y="4301649"/>
             <a:ext cx="544967" cy="246221"/>
           </a:xfrm>
           <a:prstGeom prst="rect">
@@ -4878,7 +4878,7 @@
         </p:nvSpPr>
         <p:spPr>
           <a:xfrm>
-            <a:off x="6060495" y="4301664"/>
+            <a:off x="5823731" y="4301664"/>
             <a:ext cx="544967" cy="246221"/>
           </a:xfrm>
           <a:prstGeom prst="rect">
@@ -4915,7 +4915,7 @@
         </p:nvSpPr>
         <p:spPr>
           <a:xfrm>
-            <a:off x="5094782" y="4301648"/>
+            <a:off x="4858018" y="4301648"/>
             <a:ext cx="544967" cy="246221"/>
           </a:xfrm>
           <a:prstGeom prst="rect">
@@ -4952,7 +4952,7 @@
         </p:nvSpPr>
         <p:spPr>
           <a:xfrm>
-            <a:off x="1878423" y="1228674"/>
+            <a:off x="1641659" y="1228674"/>
             <a:ext cx="502069" cy="246221"/>
           </a:xfrm>
           <a:prstGeom prst="rect">
@@ -4995,7 +4995,7 @@
         </p:nvSpPr>
         <p:spPr>
           <a:xfrm>
-            <a:off x="6158267" y="2965747"/>
+            <a:off x="5921503" y="2965747"/>
             <a:ext cx="502069" cy="246221"/>
           </a:xfrm>
           <a:prstGeom prst="rect">
@@ -5042,7 +5042,7 @@
         </p:nvSpPr>
         <p:spPr>
           <a:xfrm>
-            <a:off x="1278046" y="2645629"/>
+            <a:off x="1041282" y="2645629"/>
             <a:ext cx="502069" cy="246221"/>
           </a:xfrm>
           <a:prstGeom prst="rect">
@@ -5085,7 +5085,7 @@
         </p:nvSpPr>
         <p:spPr>
           <a:xfrm>
-            <a:off x="2496881" y="3796177"/>
+            <a:off x="2260117" y="3796177"/>
             <a:ext cx="502069" cy="246221"/>
           </a:xfrm>
           <a:prstGeom prst="rect">
@@ -5227,7 +5227,7 @@
         </p:nvSpPr>
         <p:spPr>
           <a:xfrm>
-            <a:off x="1031866" y="4755195"/>
+            <a:off x="795102" y="4755195"/>
             <a:ext cx="693962" cy="366808"/>
           </a:xfrm>
           <a:prstGeom prst="roundRect">
@@ -5278,7 +5278,7 @@
         </p:nvSpPr>
         <p:spPr>
           <a:xfrm>
-            <a:off x="1921483" y="4755195"/>
+            <a:off x="1684719" y="4755195"/>
             <a:ext cx="693962" cy="366808"/>
           </a:xfrm>
           <a:prstGeom prst="roundRect">
@@ -5329,7 +5329,7 @@
         </p:nvSpPr>
         <p:spPr>
           <a:xfrm>
-            <a:off x="674610" y="4321607"/>
+            <a:off x="437846" y="4321607"/>
             <a:ext cx="2211010" cy="400110"/>
           </a:xfrm>
           <a:prstGeom prst="rect">
@@ -5376,7 +5376,7 @@
         </p:nvSpPr>
         <p:spPr>
           <a:xfrm>
-            <a:off x="5296760" y="4579181"/>
+            <a:off x="5059996" y="4579181"/>
             <a:ext cx="949205" cy="246221"/>
           </a:xfrm>
           <a:prstGeom prst="rect">
@@ -6015,7 +6015,7 @@
         </p:nvSpPr>
         <p:spPr>
           <a:xfrm>
-            <a:off x="2865225" y="655670"/>
+            <a:off x="2628461" y="655670"/>
             <a:ext cx="832757" cy="416379"/>
           </a:xfrm>
           <a:prstGeom prst="ellipse">
@@ -6066,7 +6066,7 @@
         </p:nvSpPr>
         <p:spPr>
           <a:xfrm>
-            <a:off x="2817294" y="1825896"/>
+            <a:off x="2580530" y="1825896"/>
             <a:ext cx="832757" cy="416379"/>
           </a:xfrm>
           <a:prstGeom prst="ellipse">
@@ -6117,7 +6117,7 @@
         </p:nvSpPr>
         <p:spPr>
           <a:xfrm>
-            <a:off x="864470" y="1825896"/>
+            <a:off x="627706" y="1825896"/>
             <a:ext cx="832757" cy="416379"/>
           </a:xfrm>
           <a:prstGeom prst="ellipse">
@@ -6168,7 +6168,7 @@
         </p:nvSpPr>
         <p:spPr>
           <a:xfrm>
-            <a:off x="1842143" y="1825896"/>
+            <a:off x="1605379" y="1825896"/>
             <a:ext cx="832757" cy="416379"/>
           </a:xfrm>
           <a:prstGeom prst="ellipse">
@@ -6219,7 +6219,7 @@
         </p:nvSpPr>
         <p:spPr>
           <a:xfrm>
-            <a:off x="3955160" y="1825896"/>
+            <a:off x="3718396" y="1825896"/>
             <a:ext cx="832757" cy="416379"/>
           </a:xfrm>
           <a:prstGeom prst="ellipse">
@@ -6270,7 +6270,7 @@
         </p:nvSpPr>
         <p:spPr>
           <a:xfrm>
-            <a:off x="4899072" y="1825896"/>
+            <a:off x="4662308" y="1825896"/>
             <a:ext cx="832757" cy="416379"/>
           </a:xfrm>
           <a:prstGeom prst="ellipse">
@@ -6321,7 +6321,7 @@
         </p:nvSpPr>
         <p:spPr>
           <a:xfrm>
-            <a:off x="4371538" y="655670"/>
+            <a:off x="4134774" y="655670"/>
             <a:ext cx="832757" cy="416379"/>
           </a:xfrm>
           <a:prstGeom prst="ellipse">
@@ -6372,7 +6372,7 @@
         </p:nvSpPr>
         <p:spPr>
           <a:xfrm>
-            <a:off x="6060495" y="1825896"/>
+            <a:off x="5823731" y="1825896"/>
             <a:ext cx="832757" cy="416379"/>
           </a:xfrm>
           <a:prstGeom prst="ellipse">
@@ -6423,7 +6423,7 @@
         </p:nvSpPr>
         <p:spPr>
           <a:xfrm>
-            <a:off x="2793197" y="3213793"/>
+            <a:off x="2556433" y="3213793"/>
             <a:ext cx="693962" cy="366808"/>
           </a:xfrm>
           <a:prstGeom prst="roundRect">
@@ -6474,7 +6474,7 @@
         </p:nvSpPr>
         <p:spPr>
           <a:xfrm>
-            <a:off x="1887463" y="3213793"/>
+            <a:off x="1650699" y="3213793"/>
             <a:ext cx="693962" cy="366808"/>
           </a:xfrm>
           <a:prstGeom prst="roundRect">
@@ -6525,7 +6525,7 @@
         </p:nvSpPr>
         <p:spPr>
           <a:xfrm>
-            <a:off x="3934734" y="3213793"/>
+            <a:off x="3697970" y="3213793"/>
             <a:ext cx="693962" cy="366808"/>
           </a:xfrm>
           <a:prstGeom prst="roundRect">
@@ -6562,6 +6562,118 @@
               <a:t>msn</a:t>
             </a:r>
             <a:endParaRPr kumimoji="1" lang="ja-JP" altLang="en-US" sz="1400" dirty="0">
+              <a:latin typeface="Arial" panose="020B0604020202020204" pitchFamily="34" charset="0"/>
+              <a:cs typeface="Arial" panose="020B0604020202020204" pitchFamily="34" charset="0"/>
+            </a:endParaRPr>
+          </a:p>
+        </p:txBody>
+      </p:sp>
+      <p:sp>
+        <p:nvSpPr>
+          <p:cNvPr id="74" name="楕円 73"/>
+          <p:cNvSpPr/>
+          <p:nvPr/>
+        </p:nvSpPr>
+        <p:spPr>
+          <a:xfrm>
+            <a:off x="7646922" y="2725598"/>
+            <a:ext cx="832757" cy="416379"/>
+          </a:xfrm>
+          <a:prstGeom prst="ellipse">
+            <a:avLst/>
+          </a:prstGeom>
+          <a:ln w="28575"/>
+        </p:spPr>
+        <p:style>
+          <a:lnRef idx="2">
+            <a:schemeClr val="accent4">
+              <a:shade val="50000"/>
+            </a:schemeClr>
+          </a:lnRef>
+          <a:fillRef idx="1">
+            <a:schemeClr val="accent4"/>
+          </a:fillRef>
+          <a:effectRef idx="0">
+            <a:schemeClr val="accent4"/>
+          </a:effectRef>
+          <a:fontRef idx="minor">
+            <a:schemeClr val="lt1"/>
+          </a:fontRef>
+        </p:style>
+        <p:txBody>
+          <a:bodyPr rtlCol="0" anchor="ctr"/>
+          <a:lstStyle/>
+          <a:p>
+            <a:pPr algn="ctr"/>
+            <a:r>
+              <a:rPr kumimoji="1" lang="en-US" altLang="ja-JP" sz="1400" dirty="0" smtClean="0">
+                <a:latin typeface="Arial" panose="020B0604020202020204" pitchFamily="34" charset="0"/>
+                <a:cs typeface="Arial" panose="020B0604020202020204" pitchFamily="34" charset="0"/>
+              </a:rPr>
+              <a:t>mv</a:t>
+            </a:r>
+            <a:endParaRPr kumimoji="1" lang="ja-JP" altLang="en-US" sz="1400" dirty="0">
+              <a:latin typeface="Arial" panose="020B0604020202020204" pitchFamily="34" charset="0"/>
+              <a:cs typeface="Arial" panose="020B0604020202020204" pitchFamily="34" charset="0"/>
+            </a:endParaRPr>
+          </a:p>
+        </p:txBody>
+      </p:sp>
+      <p:sp>
+        <p:nvSpPr>
+          <p:cNvPr id="75" name="テキスト ボックス 74"/>
+          <p:cNvSpPr txBox="1"/>
+          <p:nvPr/>
+        </p:nvSpPr>
+        <p:spPr>
+          <a:xfrm>
+            <a:off x="7401100" y="3141977"/>
+            <a:ext cx="1762850" cy="553998"/>
+          </a:xfrm>
+          <a:prstGeom prst="rect">
+            <a:avLst/>
+          </a:prstGeom>
+          <a:noFill/>
+        </p:spPr>
+        <p:txBody>
+          <a:bodyPr wrap="square" rtlCol="0">
+            <a:spAutoFit/>
+          </a:bodyPr>
+          <a:lstStyle/>
+          <a:p>
+            <a:r>
+              <a:rPr kumimoji="1" lang="en-US" altLang="ja-JP" sz="1000" dirty="0" smtClean="0">
+                <a:latin typeface="Arial" panose="020B0604020202020204" pitchFamily="34" charset="0"/>
+                <a:cs typeface="Arial" panose="020B0604020202020204" pitchFamily="34" charset="0"/>
+              </a:rPr>
+              <a:t>View contract</a:t>
+            </a:r>
+          </a:p>
+          <a:p>
+            <a:r>
+              <a:rPr lang="en-US" altLang="ja-JP" sz="1000" dirty="0" smtClean="0">
+                <a:latin typeface="Arial" panose="020B0604020202020204" pitchFamily="34" charset="0"/>
+                <a:cs typeface="Arial" panose="020B0604020202020204" pitchFamily="34" charset="0"/>
+              </a:rPr>
+              <a:t>Interact with front-end</a:t>
+            </a:r>
+          </a:p>
+          <a:p>
+            <a:r>
+              <a:rPr kumimoji="1" lang="en-US" altLang="ja-JP" sz="1000" dirty="0" smtClean="0">
+                <a:latin typeface="Arial" panose="020B0604020202020204" pitchFamily="34" charset="0"/>
+                <a:cs typeface="Arial" panose="020B0604020202020204" pitchFamily="34" charset="0"/>
+              </a:rPr>
+              <a:t>Othe</a:t>
+            </a:r>
+            <a:r>
+              <a:rPr lang="en-US" altLang="ja-JP" sz="1000" dirty="0" smtClean="0">
+                <a:latin typeface="Arial" panose="020B0604020202020204" pitchFamily="34" charset="0"/>
+                <a:cs typeface="Arial" panose="020B0604020202020204" pitchFamily="34" charset="0"/>
+              </a:rPr>
+              <a:t>r project can be used</a:t>
+            </a:r>
+            <a:endParaRPr kumimoji="1" lang="ja-JP" altLang="en-US" sz="1000" dirty="0">
               <a:latin typeface="Arial" panose="020B0604020202020204" pitchFamily="34" charset="0"/>
               <a:cs typeface="Arial" panose="020B0604020202020204" pitchFamily="34" charset="0"/>
             </a:endParaRPr>
